--- a/trunk/docs/Presentacion final/PresentacionFinal_V7.pptx
+++ b/trunk/docs/Presentacion final/PresentacionFinal_V7.pptx
@@ -605,11 +605,11 @@
           </c:yVal>
           <c:smooth val="1"/>
         </c:ser>
-        <c:axId val="36105216"/>
-        <c:axId val="36127872"/>
+        <c:axId val="36256384"/>
+        <c:axId val="36291328"/>
       </c:scatterChart>
       <c:valAx>
-        <c:axId val="36105216"/>
+        <c:axId val="36256384"/>
         <c:scaling>
           <c:orientation val="minMax"/>
         </c:scaling>
@@ -644,13 +644,13 @@
             <a:endParaRPr lang="es-AR"/>
           </a:p>
         </c:txPr>
-        <c:crossAx val="36127872"/>
+        <c:crossAx val="36291328"/>
         <c:crosses val="autoZero"/>
         <c:crossBetween val="midCat"/>
         <c:majorUnit val="1"/>
       </c:valAx>
       <c:valAx>
-        <c:axId val="36127872"/>
+        <c:axId val="36291328"/>
         <c:scaling>
           <c:orientation val="minMax"/>
         </c:scaling>
@@ -685,7 +685,7 @@
             <a:endParaRPr lang="es-AR"/>
           </a:p>
         </c:txPr>
-        <c:crossAx val="36105216"/>
+        <c:crossAx val="36256384"/>
         <c:crosses val="autoZero"/>
         <c:crossBetween val="midCat"/>
       </c:valAx>
@@ -819,12 +819,12 @@
             <a:pPr>
               <a:defRPr/>
             </a:pPr>
-            <a:fld id="{55EA6348-E9AF-4603-BD77-E7C79CE1A0BA}" type="datetimeFigureOut">
+            <a:fld id="{8D2280D6-EDFD-4FAB-A6B1-F84F06AA7F37}" type="datetimeFigureOut">
               <a:rPr lang="es-AR"/>
               <a:pPr>
                 <a:defRPr/>
               </a:pPr>
-              <a:t>26/06/2012</a:t>
+              <a:t>27/06/2012</a:t>
             </a:fld>
             <a:endParaRPr lang="es-AR"/>
           </a:p>
@@ -1006,7 +1006,7 @@
             <a:pPr>
               <a:defRPr/>
             </a:pPr>
-            <a:fld id="{A6F8636E-8438-4C1F-940E-D42A2B3E0F8C}" type="slidenum">
+            <a:fld id="{DDB3F0EA-9079-44AC-BA8D-930709181E8B}" type="slidenum">
               <a:rPr lang="es-AR"/>
               <a:pPr>
                 <a:defRPr/>
@@ -1248,7 +1248,7 @@
               </a:spcAft>
               <a:defRPr/>
             </a:pPr>
-            <a:fld id="{9AFAF0CE-A7AD-4106-A4F4-03266239DDC5}" type="slidenum">
+            <a:fld id="{6F8B651F-920B-46A7-8055-2B2DEA560EAC}" type="slidenum">
               <a:rPr lang="es-AR"/>
               <a:pPr fontAlgn="base">
                 <a:spcBef>
@@ -1459,12 +1459,12 @@
             <a:pPr>
               <a:defRPr/>
             </a:pPr>
-            <a:fld id="{1ECE1339-45B1-4CCE-B2B4-B3F13D468E87}" type="datetimeFigureOut">
+            <a:fld id="{00E8889A-5331-4F6D-9057-C02D07CE5B76}" type="datetimeFigureOut">
               <a:rPr lang="es-AR"/>
               <a:pPr>
                 <a:defRPr/>
               </a:pPr>
-              <a:t>26/06/2012</a:t>
+              <a:t>27/06/2012</a:t>
             </a:fld>
             <a:endParaRPr lang="es-AR"/>
           </a:p>
@@ -1518,7 +1518,7 @@
             <a:pPr>
               <a:defRPr/>
             </a:pPr>
-            <a:fld id="{81A3A225-B6CE-456E-ACA9-380A22F56A85}" type="slidenum">
+            <a:fld id="{2173F600-1AF4-4D6F-B429-A8A946EA67DB}" type="slidenum">
               <a:rPr lang="es-AR"/>
               <a:pPr>
                 <a:defRPr/>
@@ -1651,12 +1651,12 @@
             <a:pPr>
               <a:defRPr/>
             </a:pPr>
-            <a:fld id="{C5C4B1D3-B452-4B7D-BAD7-3DCA4BE5A208}" type="datetimeFigureOut">
+            <a:fld id="{9A881CD0-DC17-49D9-A011-054ED04D0915}" type="datetimeFigureOut">
               <a:rPr lang="es-AR"/>
               <a:pPr>
                 <a:defRPr/>
               </a:pPr>
-              <a:t>26/06/2012</a:t>
+              <a:t>27/06/2012</a:t>
             </a:fld>
             <a:endParaRPr lang="es-AR"/>
           </a:p>
@@ -1710,7 +1710,7 @@
             <a:pPr>
               <a:defRPr/>
             </a:pPr>
-            <a:fld id="{93794C10-26A3-4782-A6F8-FF5AE3F47286}" type="slidenum">
+            <a:fld id="{C54B51A1-4D44-4423-AA72-C41E4040D18B}" type="slidenum">
               <a:rPr lang="es-AR"/>
               <a:pPr>
                 <a:defRPr/>
@@ -1853,12 +1853,12 @@
             <a:pPr>
               <a:defRPr/>
             </a:pPr>
-            <a:fld id="{EEED29C8-B594-4219-B89E-2FFA623AB44F}" type="datetimeFigureOut">
+            <a:fld id="{527F0931-ED55-4B6E-B964-37E2D8CACE08}" type="datetimeFigureOut">
               <a:rPr lang="es-AR"/>
               <a:pPr>
                 <a:defRPr/>
               </a:pPr>
-              <a:t>26/06/2012</a:t>
+              <a:t>27/06/2012</a:t>
             </a:fld>
             <a:endParaRPr lang="es-AR"/>
           </a:p>
@@ -1912,7 +1912,7 @@
             <a:pPr>
               <a:defRPr/>
             </a:pPr>
-            <a:fld id="{99557B07-AAA5-4C93-BFF4-8CEF0305BF6D}" type="slidenum">
+            <a:fld id="{4B4BAD97-2753-4395-9DDA-E1EB794EE2E7}" type="slidenum">
               <a:rPr lang="es-AR"/>
               <a:pPr>
                 <a:defRPr/>
@@ -2045,12 +2045,12 @@
             <a:pPr>
               <a:defRPr/>
             </a:pPr>
-            <a:fld id="{A95F870D-C0AA-4301-844C-74E79A9AF4B0}" type="datetimeFigureOut">
+            <a:fld id="{89196B1C-BC49-462E-A37F-F99B067138D4}" type="datetimeFigureOut">
               <a:rPr lang="es-AR"/>
               <a:pPr>
                 <a:defRPr/>
               </a:pPr>
-              <a:t>26/06/2012</a:t>
+              <a:t>27/06/2012</a:t>
             </a:fld>
             <a:endParaRPr lang="es-AR"/>
           </a:p>
@@ -2104,7 +2104,7 @@
             <a:pPr>
               <a:defRPr/>
             </a:pPr>
-            <a:fld id="{35B6EDF2-F857-45FB-B4C7-6A1694E11248}" type="slidenum">
+            <a:fld id="{1609F0CE-FA56-43C7-8F75-3CBD329924A9}" type="slidenum">
               <a:rPr lang="es-AR"/>
               <a:pPr>
                 <a:defRPr/>
@@ -2313,12 +2313,12 @@
             <a:pPr>
               <a:defRPr/>
             </a:pPr>
-            <a:fld id="{60643BE8-1A8C-4DDC-B8E9-F6F61FC98760}" type="datetimeFigureOut">
+            <a:fld id="{3DE96C76-C263-44BE-9265-4CCE796BDA51}" type="datetimeFigureOut">
               <a:rPr lang="es-AR"/>
               <a:pPr>
                 <a:defRPr/>
               </a:pPr>
-              <a:t>26/06/2012</a:t>
+              <a:t>27/06/2012</a:t>
             </a:fld>
             <a:endParaRPr lang="es-AR"/>
           </a:p>
@@ -2372,7 +2372,7 @@
             <a:pPr>
               <a:defRPr/>
             </a:pPr>
-            <a:fld id="{DBA158EA-BBCE-4C5B-919D-4052A9D82E54}" type="slidenum">
+            <a:fld id="{F65ED0FE-125F-4BF0-8DFE-A528A9163AF6}" type="slidenum">
               <a:rPr lang="es-AR"/>
               <a:pPr>
                 <a:defRPr/>
@@ -2623,12 +2623,12 @@
             <a:pPr>
               <a:defRPr/>
             </a:pPr>
-            <a:fld id="{1CA1616C-6C0F-4F64-9CFC-B1D79793AF27}" type="datetimeFigureOut">
+            <a:fld id="{A3CDD72E-C6F0-4256-B721-0A7AE877D93F}" type="datetimeFigureOut">
               <a:rPr lang="es-AR"/>
               <a:pPr>
                 <a:defRPr/>
               </a:pPr>
-              <a:t>26/06/2012</a:t>
+              <a:t>27/06/2012</a:t>
             </a:fld>
             <a:endParaRPr lang="es-AR"/>
           </a:p>
@@ -2682,7 +2682,7 @@
             <a:pPr>
               <a:defRPr/>
             </a:pPr>
-            <a:fld id="{6383DCC4-DB1A-4864-BEDD-1B231AB3E3D1}" type="slidenum">
+            <a:fld id="{B3F9DDD3-EF6E-4998-906E-53FB60D31E8A}" type="slidenum">
               <a:rPr lang="es-AR"/>
               <a:pPr>
                 <a:defRPr/>
@@ -3067,12 +3067,12 @@
             <a:pPr>
               <a:defRPr/>
             </a:pPr>
-            <a:fld id="{8EED1584-9300-4F05-A729-66151CF67F19}" type="datetimeFigureOut">
+            <a:fld id="{A6FCDE92-3B45-4A70-ADCE-1EFB467DCBFE}" type="datetimeFigureOut">
               <a:rPr lang="es-AR"/>
               <a:pPr>
                 <a:defRPr/>
               </a:pPr>
-              <a:t>26/06/2012</a:t>
+              <a:t>27/06/2012</a:t>
             </a:fld>
             <a:endParaRPr lang="es-AR"/>
           </a:p>
@@ -3126,7 +3126,7 @@
             <a:pPr>
               <a:defRPr/>
             </a:pPr>
-            <a:fld id="{C581AE24-277C-4221-9BE2-BB500AF31F2F}" type="slidenum">
+            <a:fld id="{2A205961-C27B-4C21-AE3F-F2515F30E0B7}" type="slidenum">
               <a:rPr lang="es-AR"/>
               <a:pPr>
                 <a:defRPr/>
@@ -3207,12 +3207,12 @@
             <a:pPr>
               <a:defRPr/>
             </a:pPr>
-            <a:fld id="{7F04FE4E-862F-4500-B7E3-8E59665E2469}" type="datetimeFigureOut">
+            <a:fld id="{FAD41D99-043E-4791-9702-3D66A4C86381}" type="datetimeFigureOut">
               <a:rPr lang="es-AR"/>
               <a:pPr>
                 <a:defRPr/>
               </a:pPr>
-              <a:t>26/06/2012</a:t>
+              <a:t>27/06/2012</a:t>
             </a:fld>
             <a:endParaRPr lang="es-AR"/>
           </a:p>
@@ -3266,7 +3266,7 @@
             <a:pPr>
               <a:defRPr/>
             </a:pPr>
-            <a:fld id="{41603381-62C6-4D8A-AE6F-E5CB9CF251A5}" type="slidenum">
+            <a:fld id="{E18C284D-A4E4-4570-A319-A2590BD3F000}" type="slidenum">
               <a:rPr lang="es-AR"/>
               <a:pPr>
                 <a:defRPr/>
@@ -3324,12 +3324,12 @@
             <a:pPr>
               <a:defRPr/>
             </a:pPr>
-            <a:fld id="{4CEFE044-2685-476D-BD29-E0B563AE5851}" type="datetimeFigureOut">
+            <a:fld id="{51ABB783-F27B-4C0D-B5B7-2CFECBB12089}" type="datetimeFigureOut">
               <a:rPr lang="es-AR"/>
               <a:pPr>
                 <a:defRPr/>
               </a:pPr>
-              <a:t>26/06/2012</a:t>
+              <a:t>27/06/2012</a:t>
             </a:fld>
             <a:endParaRPr lang="es-AR"/>
           </a:p>
@@ -3383,7 +3383,7 @@
             <a:pPr>
               <a:defRPr/>
             </a:pPr>
-            <a:fld id="{B6F147B5-E08C-4DEC-AED7-33983B81CFC9}" type="slidenum">
+            <a:fld id="{8C346C80-985B-4E17-9AB7-8192CA705E82}" type="slidenum">
               <a:rPr lang="es-AR"/>
               <a:pPr>
                 <a:defRPr/>
@@ -3623,12 +3623,12 @@
             <a:pPr>
               <a:defRPr/>
             </a:pPr>
-            <a:fld id="{8E60B08B-AA8F-4406-BBAF-E2E9936251FB}" type="datetimeFigureOut">
+            <a:fld id="{E2B3D393-6C8E-466E-9E59-FDDAD1374A5C}" type="datetimeFigureOut">
               <a:rPr lang="es-AR"/>
               <a:pPr>
                 <a:defRPr/>
               </a:pPr>
-              <a:t>26/06/2012</a:t>
+              <a:t>27/06/2012</a:t>
             </a:fld>
             <a:endParaRPr lang="es-AR"/>
           </a:p>
@@ -3682,7 +3682,7 @@
             <a:pPr>
               <a:defRPr/>
             </a:pPr>
-            <a:fld id="{D9AD07A8-360F-4BBC-AC71-04E137AEF30B}" type="slidenum">
+            <a:fld id="{BE1CB5D9-465F-4B65-B252-B79029ADF9E9}" type="slidenum">
               <a:rPr lang="es-AR"/>
               <a:pPr>
                 <a:defRPr/>
@@ -3901,12 +3901,12 @@
             <a:pPr>
               <a:defRPr/>
             </a:pPr>
-            <a:fld id="{CC9CFA4A-3BA7-4584-9F9F-EAD74ED9695F}" type="datetimeFigureOut">
+            <a:fld id="{6A1CD7CF-5837-4BEF-BAD7-AF5715C02540}" type="datetimeFigureOut">
               <a:rPr lang="es-AR"/>
               <a:pPr>
                 <a:defRPr/>
               </a:pPr>
-              <a:t>26/06/2012</a:t>
+              <a:t>27/06/2012</a:t>
             </a:fld>
             <a:endParaRPr lang="es-AR"/>
           </a:p>
@@ -3960,7 +3960,7 @@
             <a:pPr>
               <a:defRPr/>
             </a:pPr>
-            <a:fld id="{E6B892DE-C508-468D-8AE5-709EE858289C}" type="slidenum">
+            <a:fld id="{311448DF-DB06-4704-A547-43C98CDD4333}" type="slidenum">
               <a:rPr lang="es-AR"/>
               <a:pPr>
                 <a:defRPr/>
@@ -4167,12 +4167,12 @@
             <a:pPr>
               <a:defRPr/>
             </a:pPr>
-            <a:fld id="{580EBAB4-319A-42B9-BE2E-B85BC266296A}" type="datetimeFigureOut">
+            <a:fld id="{6F3D9EA3-2669-43B4-BF5A-6033607BBE0D}" type="datetimeFigureOut">
               <a:rPr lang="es-AR"/>
               <a:pPr>
                 <a:defRPr/>
               </a:pPr>
-              <a:t>26/06/2012</a:t>
+              <a:t>27/06/2012</a:t>
             </a:fld>
             <a:endParaRPr lang="es-AR"/>
           </a:p>
@@ -4268,7 +4268,7 @@
             <a:pPr>
               <a:defRPr/>
             </a:pPr>
-            <a:fld id="{33717509-0EB1-48D4-AC34-22D08B3D590C}" type="slidenum">
+            <a:fld id="{CB610E8A-F4B6-4FC8-B417-E8DA965A1F4F}" type="slidenum">
               <a:rPr lang="es-AR"/>
               <a:pPr>
                 <a:defRPr/>
@@ -5102,7 +5102,7 @@
         <p:spPr bwMode="auto">
           <a:xfrm>
             <a:off x="395288" y="1700213"/>
-            <a:ext cx="8353425" cy="5461000"/>
+            <a:ext cx="8353425" cy="4630737"/>
           </a:xfrm>
           <a:prstGeom prst="rect">
             <a:avLst/>
@@ -5121,11 +5121,8 @@
           </a:bodyPr>
           <a:lstStyle/>
           <a:p>
-            <a:pPr>
-              <a:defRPr/>
-            </a:pPr>
-            <a:r>
-              <a:rPr lang="es-AR" sz="3600" b="1" dirty="0">
+            <a:r>
+              <a:rPr lang="es-AR" sz="3600" b="1">
                 <a:latin typeface="Calibri" pitchFamily="34" charset="0"/>
               </a:rPr>
               <a:t>Producto:</a:t>
@@ -5135,110 +5132,109 @@
             <a:pPr marL="1028700" lvl="1" indent="-571500">
               <a:buFont typeface="Wingdings" pitchFamily="2" charset="2"/>
               <a:buChar char="§"/>
-              <a:defRPr/>
-            </a:pPr>
-            <a:r>
-              <a:rPr lang="es-AR" sz="3600" u="none" dirty="0">
+            </a:pPr>
+            <a:r>
+              <a:rPr lang="es-AR" sz="3400" u="none">
                 <a:latin typeface="Calibri" pitchFamily="34" charset="0"/>
               </a:rPr>
-              <a:t>Descarga vía Web.</a:t>
+              <a:t>Versiones para distintas plataformas.</a:t>
             </a:r>
           </a:p>
           <a:p>
             <a:pPr marL="1028700" lvl="1" indent="-571500">
               <a:buFont typeface="Wingdings" pitchFamily="2" charset="2"/>
               <a:buChar char="§"/>
-              <a:defRPr/>
-            </a:pPr>
-            <a:r>
-              <a:rPr lang="es-AR" sz="3600" u="none" dirty="0">
+            </a:pPr>
+            <a:r>
+              <a:rPr lang="es-AR" sz="3400" b="1" u="none">
                 <a:latin typeface="Calibri" pitchFamily="34" charset="0"/>
               </a:rPr>
-              <a:t>Versiones para distintas plataformas.</a:t>
+              <a:t>Acceso Masivo</a:t>
+            </a:r>
+            <a:r>
+              <a:rPr lang="es-AR" sz="3400" u="none">
+                <a:latin typeface="Calibri" pitchFamily="34" charset="0"/>
+              </a:rPr>
+              <a:t>:</a:t>
+            </a:r>
+          </a:p>
+          <a:p>
+            <a:pPr marL="1600200" lvl="3" indent="-228600">
+              <a:buFont typeface="Wingdings" pitchFamily="2" charset="2"/>
+              <a:buChar char="§"/>
+            </a:pPr>
+            <a:r>
+              <a:rPr lang="es-AR" sz="3200" u="none">
+                <a:latin typeface="Calibri" pitchFamily="34" charset="0"/>
+              </a:rPr>
+              <a:t>Gratuito. Fácil acceso.</a:t>
             </a:r>
           </a:p>
           <a:p>
             <a:pPr marL="1028700" lvl="1" indent="-571500">
               <a:buFont typeface="Wingdings" pitchFamily="2" charset="2"/>
               <a:buChar char="§"/>
-              <a:defRPr/>
-            </a:pPr>
-            <a:r>
-              <a:rPr lang="es-AR" sz="3600" u="none" dirty="0">
+            </a:pPr>
+            <a:r>
+              <a:rPr lang="es-AR" sz="3400" b="1" u="none">
                 <a:latin typeface="Calibri" pitchFamily="34" charset="0"/>
               </a:rPr>
-              <a:t>Instalación registra datos del cliente.</a:t>
-            </a:r>
-          </a:p>
-          <a:p>
-            <a:pPr marL="1028700" lvl="1" indent="-571500">
+              <a:t>Necesidades Específicas</a:t>
+            </a:r>
+            <a:r>
+              <a:rPr lang="es-AR" sz="3400" u="none">
+                <a:latin typeface="Calibri" pitchFamily="34" charset="0"/>
+              </a:rPr>
+              <a:t>:</a:t>
+            </a:r>
+          </a:p>
+          <a:p>
+            <a:pPr marL="1600200" lvl="3" indent="-228600">
               <a:buFont typeface="Wingdings" pitchFamily="2" charset="2"/>
               <a:buChar char="§"/>
-              <a:defRPr/>
-            </a:pPr>
-            <a:r>
-              <a:rPr lang="es-AR" sz="3600" u="none" dirty="0">
+            </a:pPr>
+            <a:r>
+              <a:rPr lang="es-AR" sz="3200" u="none">
                 <a:latin typeface="Calibri" pitchFamily="34" charset="0"/>
               </a:rPr>
-              <a:t>Para utilizar solo presionar el botón.</a:t>
-            </a:r>
-          </a:p>
-          <a:p>
-            <a:pPr marL="1028700" lvl="1" indent="-571500">
+              <a:t>5$ARS (90.000 usuarios en 36 meses).</a:t>
+            </a:r>
+          </a:p>
+          <a:p>
+            <a:pPr marL="1600200" lvl="3" indent="-228600">
               <a:buFont typeface="Wingdings" pitchFamily="2" charset="2"/>
               <a:buChar char="§"/>
-              <a:defRPr/>
-            </a:pPr>
-            <a:r>
-              <a:rPr lang="es-AR" sz="3400" u="none" dirty="0">
+            </a:pPr>
+            <a:r>
+              <a:rPr lang="es-AR" sz="3200" u="none">
                 <a:latin typeface="Calibri" pitchFamily="34" charset="0"/>
               </a:rPr>
-              <a:t>Terminales registran alarmas entrantes.</a:t>
-            </a:r>
-          </a:p>
-          <a:p>
-            <a:pPr marL="1028700" lvl="1" indent="-571500">
+              <a:t>Monitoreo periódico.</a:t>
+            </a:r>
+          </a:p>
+          <a:p>
+            <a:pPr marL="1600200" lvl="3" indent="-228600">
               <a:buFont typeface="Wingdings" pitchFamily="2" charset="2"/>
               <a:buChar char="§"/>
-              <a:defRPr/>
-            </a:pPr>
-            <a:r>
-              <a:rPr lang="es-AR" sz="3000" u="none" dirty="0">
+            </a:pPr>
+            <a:r>
+              <a:rPr lang="es-AR" sz="3200" u="none">
                 <a:latin typeface="Calibri" pitchFamily="34" charset="0"/>
               </a:rPr>
-              <a:t>Aplicación gratis con menos funcionalidades.</a:t>
-            </a:r>
-          </a:p>
-          <a:p>
-            <a:pPr marL="1028700" lvl="1" indent="-571500">
+              <a:t>Alarmas en zonas peligrosas.</a:t>
+            </a:r>
+          </a:p>
+          <a:p>
+            <a:pPr marL="1600200" lvl="3" indent="-228600">
               <a:buFont typeface="Wingdings" pitchFamily="2" charset="2"/>
               <a:buChar char="§"/>
-              <a:defRPr/>
-            </a:pPr>
-            <a:r>
-              <a:rPr lang="es-AR" sz="3600" u="none" dirty="0">
+            </a:pPr>
+            <a:r>
+              <a:rPr lang="es-AR" sz="3200" u="none">
                 <a:latin typeface="Calibri" pitchFamily="34" charset="0"/>
               </a:rPr>
-              <a:t>Aplicación paga a precio bajo.</a:t>
-            </a:r>
-          </a:p>
-          <a:p>
-            <a:pPr marL="0" lvl="1" indent="-571500">
-              <a:defRPr/>
-            </a:pPr>
-            <a:endParaRPr lang="es-AR" sz="3600" b="1" dirty="0">
-              <a:latin typeface="Calibri" pitchFamily="34" charset="0"/>
-            </a:endParaRPr>
-          </a:p>
-          <a:p>
-            <a:pPr marL="1028700" lvl="1" indent="-571500">
-              <a:buFont typeface="Wingdings" pitchFamily="2" charset="2"/>
-              <a:buChar char="§"/>
-              <a:defRPr/>
-            </a:pPr>
-            <a:endParaRPr lang="es-AR" sz="3600" u="none" dirty="0">
-              <a:latin typeface="Calibri" pitchFamily="34" charset="0"/>
-            </a:endParaRPr>
+              <a:t>Esquema de check-points.</a:t>
+            </a:r>
           </a:p>
         </p:txBody>
       </p:sp>
@@ -5839,7 +5835,7 @@
         <p:spPr bwMode="auto">
           <a:xfrm>
             <a:off x="395288" y="1700213"/>
-            <a:ext cx="8353425" cy="6740525"/>
+            <a:ext cx="8353425" cy="4781550"/>
           </a:xfrm>
           <a:prstGeom prst="rect">
             <a:avLst/>
@@ -5871,7 +5867,7 @@
               <a:buChar char="§"/>
             </a:pPr>
             <a:r>
-              <a:rPr lang="es-AR" sz="3600" u="none">
+              <a:rPr lang="es-AR" sz="3400" u="none">
                 <a:latin typeface="Calibri" pitchFamily="34" charset="0"/>
               </a:rPr>
               <a:t>Sitio Web del producto.</a:t>
@@ -5883,7 +5879,7 @@
               <a:buChar char="§"/>
             </a:pPr>
             <a:r>
-              <a:rPr lang="es-AR" sz="3600" u="none">
+              <a:rPr lang="es-AR" sz="3400" u="none">
                 <a:latin typeface="Calibri" pitchFamily="34" charset="0"/>
               </a:rPr>
               <a:t>Google Ads.</a:t>
@@ -5895,7 +5891,7 @@
               <a:buChar char="§"/>
             </a:pPr>
             <a:r>
-              <a:rPr lang="es-AR" sz="3600" u="none">
+              <a:rPr lang="es-AR" sz="3400" u="none">
                 <a:latin typeface="Calibri" pitchFamily="34" charset="0"/>
               </a:rPr>
               <a:t>Vía pública y televisión.</a:t>
@@ -5907,7 +5903,7 @@
               <a:buChar char="§"/>
             </a:pPr>
             <a:r>
-              <a:rPr lang="es-AR" sz="3600" u="none">
+              <a:rPr lang="es-AR" sz="3400" u="none">
                 <a:latin typeface="Calibri" pitchFamily="34" charset="0"/>
               </a:rPr>
               <a:t>Redes sociales.</a:t>
@@ -5919,7 +5915,7 @@
               <a:buChar char="§"/>
             </a:pPr>
             <a:r>
-              <a:rPr lang="es-AR" sz="3600" u="none">
+              <a:rPr lang="es-AR" sz="3400" u="none">
                 <a:latin typeface="Calibri" pitchFamily="34" charset="0"/>
               </a:rPr>
               <a:t>Boca a boca.</a:t>
@@ -5931,35 +5927,11 @@
               <a:buChar char="§"/>
             </a:pPr>
             <a:r>
-              <a:rPr lang="es-AR" sz="3600" u="none">
+              <a:rPr lang="es-AR" sz="3400" u="none">
                 <a:latin typeface="Calibri" pitchFamily="34" charset="0"/>
               </a:rPr>
               <a:t>Promoción por parte de parte del Ministerio de Seguridad en caso de ser uno de los colaboradores.</a:t>
             </a:r>
-          </a:p>
-          <a:p>
-            <a:pPr marL="1028700" lvl="1" indent="-571500">
-              <a:buFont typeface="Wingdings" pitchFamily="2" charset="2"/>
-              <a:buChar char="§"/>
-            </a:pPr>
-            <a:endParaRPr lang="es-AR" sz="3600" u="none">
-              <a:latin typeface="Calibri" pitchFamily="34" charset="0"/>
-            </a:endParaRPr>
-          </a:p>
-          <a:p>
-            <a:pPr marL="1028700" lvl="1" indent="-571500">
-              <a:buFont typeface="Wingdings" pitchFamily="2" charset="2"/>
-              <a:buChar char="§"/>
-            </a:pPr>
-            <a:endParaRPr lang="es-AR" sz="3600" u="none">
-              <a:latin typeface="Calibri" pitchFamily="34" charset="0"/>
-            </a:endParaRPr>
-          </a:p>
-          <a:p>
-            <a:pPr marL="1028700" lvl="1" indent="-571500">
-              <a:buFont typeface="Wingdings" pitchFamily="2" charset="2"/>
-              <a:buChar char="§"/>
-            </a:pPr>
             <a:endParaRPr lang="es-AR" sz="3600" u="none">
               <a:latin typeface="Calibri" pitchFamily="34" charset="0"/>
             </a:endParaRPr>
@@ -6218,7 +6190,7 @@
         <p:spPr bwMode="auto">
           <a:xfrm>
             <a:off x="395288" y="1700213"/>
-            <a:ext cx="8353425" cy="5078412"/>
+            <a:ext cx="8353425" cy="4813300"/>
           </a:xfrm>
           <a:prstGeom prst="rect">
             <a:avLst/>
@@ -6237,11 +6209,8 @@
           </a:bodyPr>
           <a:lstStyle/>
           <a:p>
-            <a:pPr>
-              <a:defRPr/>
-            </a:pPr>
-            <a:r>
-              <a:rPr lang="es-AR" sz="3600" b="1" dirty="0">
+            <a:r>
+              <a:rPr lang="es-AR" sz="3600" b="1">
                 <a:latin typeface="Calibri" pitchFamily="34" charset="0"/>
               </a:rPr>
               <a:t>Plaza (Mercado):</a:t>
@@ -6251,88 +6220,57 @@
             <a:pPr marL="1028700" lvl="1" indent="-571500">
               <a:buFont typeface="Wingdings" pitchFamily="2" charset="2"/>
               <a:buChar char="§"/>
-              <a:defRPr/>
-            </a:pPr>
-            <a:r>
-              <a:rPr lang="es-AR" sz="3600" u="none" dirty="0">
+            </a:pPr>
+            <a:r>
+              <a:rPr lang="es-AR" sz="3400" u="none">
                 <a:latin typeface="Calibri" pitchFamily="34" charset="0"/>
               </a:rPr>
               <a:t>Portales de contenidos de:</a:t>
             </a:r>
           </a:p>
           <a:p>
-            <a:pPr marL="1028700" lvl="1" indent="-571500">
-              <a:defRPr/>
-            </a:pPr>
-            <a:r>
-              <a:rPr lang="es-AR" sz="3600" u="none" dirty="0">
+            <a:pPr marL="1028700" lvl="1" indent="-571500"/>
+            <a:r>
+              <a:rPr lang="es-AR" sz="3400" u="none">
                 <a:latin typeface="Calibri" pitchFamily="34" charset="0"/>
               </a:rPr>
-              <a:t>	- </a:t>
-            </a:r>
-            <a:r>
-              <a:rPr lang="es-AR" sz="3600" u="none" dirty="0" err="1">
+              <a:t>	- Android</a:t>
+            </a:r>
+          </a:p>
+          <a:p>
+            <a:pPr marL="1028700" lvl="1" indent="-571500"/>
+            <a:r>
+              <a:rPr lang="es-AR" sz="3400" u="none">
                 <a:latin typeface="Calibri" pitchFamily="34" charset="0"/>
               </a:rPr>
-              <a:t>Android</a:t>
-            </a:r>
-            <a:endParaRPr lang="es-AR" sz="3600" u="none" dirty="0">
-              <a:latin typeface="Calibri" pitchFamily="34" charset="0"/>
-            </a:endParaRPr>
-          </a:p>
-          <a:p>
-            <a:pPr marL="1028700" lvl="1" indent="-571500">
-              <a:defRPr/>
-            </a:pPr>
-            <a:r>
-              <a:rPr lang="es-AR" sz="3600" u="none" dirty="0">
+              <a:t>	- IOS</a:t>
+            </a:r>
+          </a:p>
+          <a:p>
+            <a:pPr marL="1028700" lvl="1" indent="-571500"/>
+            <a:r>
+              <a:rPr lang="es-AR" sz="3400" u="none">
                 <a:latin typeface="Calibri" pitchFamily="34" charset="0"/>
               </a:rPr>
-              <a:t>	- IOS</a:t>
-            </a:r>
-          </a:p>
-          <a:p>
-            <a:pPr marL="1028700" lvl="1" indent="-571500">
-              <a:defRPr/>
-            </a:pPr>
-            <a:r>
-              <a:rPr lang="es-AR" sz="3600" u="none" dirty="0">
-                <a:latin typeface="Calibri" pitchFamily="34" charset="0"/>
-              </a:rPr>
-              <a:t>	- </a:t>
-            </a:r>
-            <a:r>
-              <a:rPr lang="es-AR" sz="3600" u="none" dirty="0" err="1">
-                <a:latin typeface="+mj-lt"/>
-              </a:rPr>
-              <a:t>BlackBerry</a:t>
-            </a:r>
-            <a:r>
-              <a:rPr lang="es-AR" sz="3600" u="none" dirty="0">
-                <a:latin typeface="+mj-lt"/>
-              </a:rPr>
-              <a:t> OS</a:t>
+              <a:t>	- BlackBerry OS</a:t>
             </a:r>
           </a:p>
           <a:p>
             <a:pPr marL="1028700" lvl="1" indent="-571500">
               <a:buFont typeface="Wingdings" pitchFamily="2" charset="2"/>
               <a:buChar char="§"/>
-              <a:defRPr/>
-            </a:pPr>
-            <a:r>
-              <a:rPr lang="es-AR" sz="3600" u="none" dirty="0">
+            </a:pPr>
+            <a:r>
+              <a:rPr lang="es-AR" sz="3400" u="none">
                 <a:latin typeface="Calibri" pitchFamily="34" charset="0"/>
               </a:rPr>
               <a:t>Empresas de Telefonía </a:t>
             </a:r>
           </a:p>
           <a:p>
-            <a:pPr marL="1028700" lvl="1" indent="-571500">
-              <a:defRPr/>
-            </a:pPr>
-            <a:r>
-              <a:rPr lang="es-AR" sz="3600" u="none" dirty="0">
+            <a:pPr marL="1028700" lvl="1" indent="-571500"/>
+            <a:r>
+              <a:rPr lang="es-AR" sz="3400" u="none">
                 <a:latin typeface="Calibri" pitchFamily="34" charset="0"/>
               </a:rPr>
               <a:t>	- Aplicación predeterminada.</a:t>
@@ -6342,9 +6280,8 @@
             <a:pPr marL="1028700" lvl="1" indent="-571500">
               <a:buFont typeface="Wingdings" pitchFamily="2" charset="2"/>
               <a:buChar char="§"/>
-              <a:defRPr/>
-            </a:pPr>
-            <a:endParaRPr lang="es-AR" sz="3600" u="none" dirty="0">
+            </a:pPr>
+            <a:endParaRPr lang="es-AR" sz="3400" u="none">
               <a:latin typeface="Calibri" pitchFamily="34" charset="0"/>
             </a:endParaRPr>
           </a:p>
@@ -6352,9 +6289,8 @@
             <a:pPr marL="1028700" lvl="1" indent="-571500">
               <a:buFont typeface="Wingdings" pitchFamily="2" charset="2"/>
               <a:buChar char="§"/>
-              <a:defRPr/>
-            </a:pPr>
-            <a:endParaRPr lang="es-AR" sz="3600" u="none" dirty="0">
+            </a:pPr>
+            <a:endParaRPr lang="es-AR" sz="3600" u="none">
               <a:latin typeface="Calibri" pitchFamily="34" charset="0"/>
             </a:endParaRPr>
           </a:p>
@@ -6554,10 +6490,12 @@
           <a:p>
             <a:pPr algn="ctr"/>
             <a:r>
-              <a:rPr lang="es-AR" sz="3800" b="1" u="none"/>
+              <a:rPr lang="es-AR" sz="4000" b="1" u="none">
+                <a:latin typeface="Trebuchet MS" pitchFamily="34" charset="0"/>
+              </a:rPr>
               <a:t>Análisis de oportunidad</a:t>
             </a:r>
-            <a:endParaRPr lang="es-AR" sz="3800" b="1" u="none">
+            <a:endParaRPr lang="es-AR" sz="4000" b="1" u="none">
               <a:latin typeface="Trebuchet MS" pitchFamily="34" charset="0"/>
               <a:ea typeface="Levenim MT"/>
               <a:cs typeface="Levenim MT"/>
@@ -6613,7 +6551,7 @@
         <p:spPr bwMode="auto">
           <a:xfrm>
             <a:off x="395288" y="1700213"/>
-            <a:ext cx="8353425" cy="4749800"/>
+            <a:ext cx="8353425" cy="4052887"/>
           </a:xfrm>
           <a:prstGeom prst="rect">
             <a:avLst/>
@@ -6633,7 +6571,9 @@
           <a:lstStyle/>
           <a:p>
             <a:r>
-              <a:rPr lang="es-AR" sz="3400" b="1" u="none"/>
+              <a:rPr lang="es-AR" sz="3600" b="1" u="none">
+                <a:latin typeface="Calibri" pitchFamily="34" charset="0"/>
+              </a:rPr>
               <a:t>¿Por qué ahora? </a:t>
             </a:r>
           </a:p>
@@ -6643,7 +6583,7 @@
               <a:buChar char="§"/>
             </a:pPr>
             <a:r>
-              <a:rPr lang="es-AR" sz="3400" u="none">
+              <a:rPr lang="es-AR" sz="3200" u="none">
                 <a:latin typeface="Calibri" pitchFamily="34" charset="0"/>
               </a:rPr>
               <a:t>El 24% de la población Argentina  posee un smartphone.</a:t>
@@ -6655,7 +6595,7 @@
               <a:buChar char="§"/>
             </a:pPr>
             <a:r>
-              <a:rPr lang="es-AR" sz="3400" u="none">
+              <a:rPr lang="es-AR" sz="3200" u="none">
                 <a:latin typeface="Calibri" pitchFamily="34" charset="0"/>
               </a:rPr>
               <a:t>Este porcentaje se encuentra en crecimiento constante.</a:t>
@@ -6667,7 +6607,7 @@
               <a:buChar char="§"/>
             </a:pPr>
             <a:r>
-              <a:rPr lang="es-AR" sz="3400" u="none">
+              <a:rPr lang="es-AR" sz="3200" u="none">
                 <a:latin typeface="Calibri" pitchFamily="34" charset="0"/>
               </a:rPr>
               <a:t>Los propietarios de smartphone dependen cada vez más de sus dispositivos.</a:t>
@@ -6679,7 +6619,7 @@
               <a:buChar char="§"/>
             </a:pPr>
             <a:r>
-              <a:rPr lang="es-AR" sz="3400" u="none">
+              <a:rPr lang="es-AR" sz="3200" u="none">
                 <a:latin typeface="Calibri" pitchFamily="34" charset="0"/>
               </a:rPr>
               <a:t>El smartphone siempre está encendido.</a:t>
@@ -6881,10 +6821,12 @@
           <a:p>
             <a:pPr algn="ctr"/>
             <a:r>
-              <a:rPr lang="es-AR" sz="3800" b="1" u="none"/>
+              <a:rPr lang="es-AR" sz="4000" b="1" u="none">
+                <a:latin typeface="Trebuchet MS" pitchFamily="34" charset="0"/>
+              </a:rPr>
               <a:t>Análisis de oportunidad</a:t>
             </a:r>
-            <a:endParaRPr lang="es-AR" sz="3800" b="1" u="none">
+            <a:endParaRPr lang="es-AR" sz="4000" b="1" u="none">
               <a:latin typeface="Trebuchet MS" pitchFamily="34" charset="0"/>
               <a:ea typeface="Levenim MT"/>
               <a:cs typeface="Levenim MT"/>
@@ -6940,7 +6882,7 @@
         <p:spPr bwMode="auto">
           <a:xfrm>
             <a:off x="395288" y="1700213"/>
-            <a:ext cx="8353425" cy="5816600"/>
+            <a:ext cx="8353425" cy="4540250"/>
           </a:xfrm>
           <a:prstGeom prst="rect">
             <a:avLst/>
@@ -6960,7 +6902,9 @@
           <a:lstStyle/>
           <a:p>
             <a:r>
-              <a:rPr lang="es-AR" sz="3400" b="1" u="none"/>
+              <a:rPr lang="es-AR" sz="3600" b="1" u="none">
+                <a:latin typeface="Calibri" pitchFamily="34" charset="0"/>
+              </a:rPr>
               <a:t>¿Por qué en Argentina? </a:t>
             </a:r>
           </a:p>
@@ -6970,7 +6914,7 @@
               <a:buChar char="§"/>
             </a:pPr>
             <a:r>
-              <a:rPr lang="es-AR" sz="3400" u="none">
+              <a:rPr lang="es-AR" sz="3200" u="none">
                 <a:latin typeface="Calibri" pitchFamily="34" charset="0"/>
               </a:rPr>
               <a:t>Actualmente hay una gran sensación de inseguridad.</a:t>
@@ -6982,7 +6926,7 @@
               <a:buChar char="§"/>
             </a:pPr>
             <a:r>
-              <a:rPr lang="es-AR" sz="3400" u="none">
+              <a:rPr lang="es-AR" sz="3200" u="none">
                 <a:latin typeface="Calibri" pitchFamily="34" charset="0"/>
               </a:rPr>
               <a:t>Altos índices de delincuencia, los cuales están en aumento.</a:t>
@@ -6994,7 +6938,7 @@
               <a:buChar char="§"/>
             </a:pPr>
             <a:r>
-              <a:rPr lang="es-AR" sz="3400" u="none">
+              <a:rPr lang="es-AR" sz="3200" u="none">
                 <a:latin typeface="Calibri" pitchFamily="34" charset="0"/>
               </a:rPr>
               <a:t>No existe una herramienta rápida y eficaz para resolver una emergencia.</a:t>
@@ -7006,25 +6950,11 @@
               <a:buChar char="§"/>
             </a:pPr>
             <a:r>
-              <a:rPr lang="es-AR" sz="3400" u="none">
+              <a:rPr lang="es-AR" sz="3200" u="none">
                 <a:latin typeface="Calibri" pitchFamily="34" charset="0"/>
               </a:rPr>
               <a:t>El servicio de emergencias más similar es el 911.</a:t>
             </a:r>
-          </a:p>
-          <a:p>
-            <a:endParaRPr lang="es-AR" sz="3400" u="none">
-              <a:latin typeface="Calibri" pitchFamily="34" charset="0"/>
-            </a:endParaRPr>
-          </a:p>
-          <a:p>
-            <a:pPr marL="1028700" lvl="1" indent="-571500">
-              <a:buFont typeface="Wingdings" pitchFamily="2" charset="2"/>
-              <a:buChar char="§"/>
-            </a:pPr>
-            <a:endParaRPr lang="es-AR" sz="3600" u="none">
-              <a:latin typeface="Calibri" pitchFamily="34" charset="0"/>
-            </a:endParaRPr>
           </a:p>
         </p:txBody>
       </p:sp>
@@ -7222,7 +7152,9 @@
           <a:p>
             <a:pPr algn="ctr"/>
             <a:r>
-              <a:rPr lang="es-AR" sz="3800" b="1" u="none"/>
+              <a:rPr lang="es-AR" sz="3800" b="1" u="none">
+                <a:latin typeface="Trebuchet MS" pitchFamily="34" charset="0"/>
+              </a:rPr>
               <a:t>Análisis de oportunidad</a:t>
             </a:r>
             <a:endParaRPr lang="es-AR" sz="3800" b="1" u="none">
@@ -7281,7 +7213,7 @@
         <p:spPr bwMode="auto">
           <a:xfrm>
             <a:off x="395288" y="1700213"/>
-            <a:ext cx="8353425" cy="5035550"/>
+            <a:ext cx="8353425" cy="4264025"/>
           </a:xfrm>
           <a:prstGeom prst="rect">
             <a:avLst/>
@@ -7301,7 +7233,9 @@
           <a:lstStyle/>
           <a:p>
             <a:r>
-              <a:rPr lang="es-AR" sz="3600" b="1" u="none"/>
+              <a:rPr lang="es-AR" sz="3600" b="1" u="none">
+                <a:latin typeface="Calibri" pitchFamily="34" charset="0"/>
+              </a:rPr>
               <a:t>¿Por que no el 911? </a:t>
             </a:r>
           </a:p>
@@ -7311,7 +7245,7 @@
               <a:buChar char="§"/>
             </a:pPr>
             <a:r>
-              <a:rPr lang="es-AR" sz="3600" u="none">
+              <a:rPr lang="es-AR" sz="3400" u="none">
                 <a:latin typeface="Calibri" pitchFamily="34" charset="0"/>
               </a:rPr>
               <a:t>Requiere en promedio 1 minuto de obtención de información por parte del operador.</a:t>
@@ -7323,7 +7257,7 @@
               <a:buChar char="§"/>
             </a:pPr>
             <a:r>
-              <a:rPr lang="es-AR" sz="3600" u="none">
+              <a:rPr lang="es-AR" sz="3400" u="none">
                 <a:latin typeface="Calibri" pitchFamily="34" charset="0"/>
               </a:rPr>
               <a:t>Se registran un porcentaje muy alto de emergencias falsas y bromas.</a:t>
@@ -7335,20 +7269,11 @@
               <a:buChar char="§"/>
             </a:pPr>
             <a:r>
-              <a:rPr lang="es-AR" sz="3600" u="none">
+              <a:rPr lang="es-AR" sz="3400" u="none">
                 <a:latin typeface="Calibri" pitchFamily="34" charset="0"/>
               </a:rPr>
               <a:t>Al ser una comunicación verbal puede no ser concisa y correcta.</a:t>
             </a:r>
-          </a:p>
-          <a:p>
-            <a:pPr marL="1028700" lvl="1" indent="-571500">
-              <a:buFont typeface="Wingdings" pitchFamily="2" charset="2"/>
-              <a:buChar char="§"/>
-            </a:pPr>
-            <a:endParaRPr lang="es-AR" sz="3600" u="none">
-              <a:latin typeface="Calibri" pitchFamily="34" charset="0"/>
-            </a:endParaRPr>
           </a:p>
         </p:txBody>
       </p:sp>
@@ -7546,10 +7471,12 @@
           <a:p>
             <a:pPr algn="ctr"/>
             <a:r>
-              <a:rPr lang="es-AR" sz="3800" b="1" u="none"/>
+              <a:rPr lang="es-AR" sz="4000" b="1" u="none">
+                <a:latin typeface="Trebuchet MS" pitchFamily="34" charset="0"/>
+              </a:rPr>
               <a:t>Análisis de oportunidad</a:t>
             </a:r>
-            <a:endParaRPr lang="es-AR" sz="3800" b="1" u="none">
+            <a:endParaRPr lang="es-AR" sz="4000" b="1" u="none">
               <a:latin typeface="Trebuchet MS" pitchFamily="34" charset="0"/>
               <a:ea typeface="Levenim MT"/>
               <a:cs typeface="Levenim MT"/>
@@ -7605,7 +7532,7 @@
         <p:spPr bwMode="auto">
           <a:xfrm>
             <a:off x="395288" y="1700213"/>
-            <a:ext cx="8353425" cy="5584825"/>
+            <a:ext cx="8353425" cy="4264025"/>
           </a:xfrm>
           <a:prstGeom prst="rect">
             <a:avLst/>
@@ -7625,7 +7552,9 @@
           <a:lstStyle/>
           <a:p>
             <a:r>
-              <a:rPr lang="es-AR" sz="3600" b="1" u="none"/>
+              <a:rPr lang="es-AR" sz="3600" b="1" u="none">
+                <a:latin typeface="Calibri" pitchFamily="34" charset="0"/>
+              </a:rPr>
               <a:t>¿Por que Dial Panic Button? </a:t>
             </a:r>
           </a:p>
@@ -7635,7 +7564,7 @@
               <a:buChar char="§"/>
             </a:pPr>
             <a:r>
-              <a:rPr lang="es-AR" sz="3600" u="none">
+              <a:rPr lang="es-AR" sz="3400" u="none">
                 <a:latin typeface="Calibri" pitchFamily="34" charset="0"/>
               </a:rPr>
               <a:t>El proceso es simple, rápido y efectivo.</a:t>
@@ -7647,7 +7576,7 @@
               <a:buChar char="§"/>
             </a:pPr>
             <a:r>
-              <a:rPr lang="es-AR" sz="3600" u="none">
+              <a:rPr lang="es-AR" sz="3400" u="none">
                 <a:latin typeface="Calibri" pitchFamily="34" charset="0"/>
               </a:rPr>
               <a:t>Herramienta de Localización y búsqueda de información aportada por el smartphone y no por la persona en situación de emergencia.</a:t>
@@ -7659,33 +7588,24 @@
               <a:buChar char="§"/>
             </a:pPr>
             <a:r>
-              <a:rPr lang="es-AR" sz="3600" u="none">
+              <a:rPr lang="es-AR" sz="3400" u="none">
                 <a:latin typeface="Calibri" pitchFamily="34" charset="0"/>
               </a:rPr>
               <a:t>Utilizado por usuarios registrados </a:t>
             </a:r>
             <a:r>
-              <a:rPr lang="es-AR" sz="3600" u="none">
+              <a:rPr lang="es-AR" sz="3400" u="none">
                 <a:latin typeface="Calibri" pitchFamily="34" charset="0"/>
                 <a:sym typeface="Wingdings" pitchFamily="2" charset="2"/>
               </a:rPr>
               <a:t></a:t>
             </a:r>
             <a:r>
-              <a:rPr lang="es-AR" sz="3600" u="none">
+              <a:rPr lang="es-AR" sz="3400" u="none">
                 <a:latin typeface="Calibri" pitchFamily="34" charset="0"/>
               </a:rPr>
               <a:t> uso correcto y serio del servicio.</a:t>
             </a:r>
-          </a:p>
-          <a:p>
-            <a:pPr marL="1028700" lvl="1" indent="-571500">
-              <a:buFont typeface="Wingdings" pitchFamily="2" charset="2"/>
-              <a:buChar char="§"/>
-            </a:pPr>
-            <a:endParaRPr lang="es-AR" sz="3600" u="none">
-              <a:latin typeface="Calibri" pitchFamily="34" charset="0"/>
-            </a:endParaRPr>
           </a:p>
         </p:txBody>
       </p:sp>
@@ -7883,12 +7803,12 @@
           <a:p>
             <a:pPr algn="ctr"/>
             <a:r>
-              <a:rPr lang="es-AR" sz="3800" b="1" u="none">
-                <a:latin typeface="Calibri" pitchFamily="34" charset="0"/>
+              <a:rPr lang="es-AR" sz="4000" b="1" u="none">
+                <a:latin typeface="Trebuchet MS" pitchFamily="34" charset="0"/>
               </a:rPr>
               <a:t>Flujo de Caja Estimado</a:t>
             </a:r>
-            <a:endParaRPr lang="es-AR" sz="3800" b="1" u="none">
+            <a:endParaRPr lang="es-AR" sz="4000" b="1" u="none">
               <a:latin typeface="Trebuchet MS" pitchFamily="34" charset="0"/>
               <a:ea typeface="Levenim MT"/>
               <a:cs typeface="Levenim MT"/>
@@ -8080,7 +8000,9 @@
           <a:p>
             <a:pPr eaLnBrk="1" hangingPunct="1"/>
             <a:r>
-              <a:rPr lang="es-AR" b="1" smtClean="0"/>
+              <a:rPr lang="es-AR" sz="4000" b="1" smtClean="0">
+                <a:latin typeface="Trebuchet MS" pitchFamily="34" charset="0"/>
+              </a:rPr>
               <a:t>Arquitectura</a:t>
             </a:r>
           </a:p>
@@ -8115,17 +8037,17 @@
           <a:p>
             <a:pPr lvl="1" eaLnBrk="1" hangingPunct="1"/>
             <a:r>
-              <a:rPr lang="es-AR" sz="3600" smtClean="0"/>
+              <a:rPr lang="es-AR" sz="3400" smtClean="0"/>
               <a:t>La aplicación contiene el botón de pánico.</a:t>
             </a:r>
           </a:p>
           <a:p>
             <a:pPr lvl="1" eaLnBrk="1" hangingPunct="1"/>
             <a:r>
-              <a:rPr lang="es-AR" sz="3600" smtClean="0"/>
+              <a:rPr lang="es-AR" sz="3400" smtClean="0"/>
               <a:t>Se comunica con el servidor al presionar el botón de pánico enviando información del usuario.</a:t>
             </a:r>
-            <a:endParaRPr lang="es-MX" sz="3600" smtClean="0"/>
+            <a:endParaRPr lang="es-MX" sz="3400" smtClean="0"/>
           </a:p>
         </p:txBody>
       </p:sp>
@@ -8526,7 +8448,7 @@
       </p:grpSpPr>
       <p:sp>
         <p:nvSpPr>
-          <p:cNvPr id="40962" name="1 Título"/>
+          <p:cNvPr id="34817" name="1 Título"/>
           <p:cNvSpPr>
             <a:spLocks noGrp="1"/>
           </p:cNvSpPr>
@@ -8541,7 +8463,9 @@
           <a:p>
             <a:pPr eaLnBrk="1" hangingPunct="1"/>
             <a:r>
-              <a:rPr lang="es-AR" b="1" smtClean="0"/>
+              <a:rPr lang="es-AR" sz="4000" b="1" smtClean="0">
+                <a:latin typeface="Trebuchet MS" pitchFamily="34" charset="0"/>
+              </a:rPr>
               <a:t>Arquitectura</a:t>
             </a:r>
           </a:p>
@@ -8549,7 +8473,7 @@
       </p:sp>
       <p:sp>
         <p:nvSpPr>
-          <p:cNvPr id="40963" name="2 Marcador de contenido"/>
+          <p:cNvPr id="34818" name="2 Marcador de contenido"/>
           <p:cNvSpPr>
             <a:spLocks noGrp="1"/>
           </p:cNvSpPr>
@@ -8576,24 +8500,24 @@
           <a:p>
             <a:pPr lvl="1" eaLnBrk="1" hangingPunct="1"/>
             <a:r>
-              <a:rPr lang="es-MX" sz="3400" smtClean="0"/>
+              <a:rPr lang="es-MX" sz="3200" smtClean="0"/>
               <a:t>Comunicación con aplicación cliente para celulares.</a:t>
             </a:r>
           </a:p>
           <a:p>
             <a:pPr lvl="1" eaLnBrk="1" hangingPunct="1"/>
             <a:r>
-              <a:rPr lang="es-MX" sz="3400" smtClean="0"/>
+              <a:rPr lang="es-MX" sz="3200" smtClean="0"/>
               <a:t>Comunicación con Aplicación web de terminal.</a:t>
             </a:r>
           </a:p>
           <a:p>
             <a:pPr lvl="1" eaLnBrk="1" hangingPunct="1"/>
             <a:r>
-              <a:rPr lang="es-MX" sz="3400" smtClean="0"/>
+              <a:rPr lang="es-MX" sz="3200" smtClean="0"/>
               <a:t>Base de datos con las alertas.</a:t>
             </a:r>
-            <a:endParaRPr lang="es-AR" sz="3400" smtClean="0"/>
+            <a:endParaRPr lang="es-AR" sz="3200" smtClean="0"/>
           </a:p>
           <a:p>
             <a:pPr eaLnBrk="1" hangingPunct="1"/>
@@ -8613,17 +8537,17 @@
           <a:p>
             <a:pPr lvl="1" eaLnBrk="1" hangingPunct="1"/>
             <a:r>
-              <a:rPr lang="es-MX" sz="3400" smtClean="0"/>
+              <a:rPr lang="es-MX" sz="3200" smtClean="0"/>
               <a:t>Recibe alertas desde el servidor.</a:t>
             </a:r>
           </a:p>
           <a:p>
             <a:pPr lvl="1" eaLnBrk="1" hangingPunct="1"/>
             <a:r>
-              <a:rPr lang="es-MX" sz="3400" smtClean="0"/>
+              <a:rPr lang="es-MX" sz="3200" smtClean="0"/>
               <a:t>Visualiza las alertas entrantes.</a:t>
             </a:r>
-            <a:endParaRPr lang="es-AR" sz="3400" smtClean="0"/>
+            <a:endParaRPr lang="es-AR" sz="3200" smtClean="0"/>
           </a:p>
         </p:txBody>
       </p:sp>
@@ -8654,7 +8578,7 @@
       </p:grpSpPr>
       <p:sp>
         <p:nvSpPr>
-          <p:cNvPr id="34817" name="1 Título"/>
+          <p:cNvPr id="35841" name="1 Título"/>
           <p:cNvSpPr>
             <a:spLocks noGrp="1"/>
           </p:cNvSpPr>
@@ -8669,15 +8593,17 @@
           <a:p>
             <a:pPr eaLnBrk="1" hangingPunct="1"/>
             <a:r>
-              <a:rPr lang="es-AR" smtClean="0"/>
-              <a:t>Arquitectura ( Diagrama)</a:t>
+              <a:rPr lang="es-AR" sz="4000" b="1" smtClean="0">
+                <a:latin typeface="Trebuchet MS" pitchFamily="34" charset="0"/>
+              </a:rPr>
+              <a:t>Arquitectura (Diagrama)</a:t>
             </a:r>
           </a:p>
         </p:txBody>
       </p:sp>
       <p:pic>
         <p:nvPicPr>
-          <p:cNvPr id="34818" name="3 Marcador de contenido" descr="C:\Users\Ignacio\Documents\Facu\Taller de Desarrollo de Proyectos 1\arquitectura.png"/>
+          <p:cNvPr id="35842" name="3 Marcador de contenido" descr="C:\Users\Ignacio\Documents\Facu\Taller de Desarrollo de Proyectos 1\arquitectura.png"/>
           <p:cNvPicPr>
             <a:picLocks noGrp="1"/>
           </p:cNvPicPr>
@@ -8726,7 +8652,7 @@
       </p:grpSpPr>
       <p:sp>
         <p:nvSpPr>
-          <p:cNvPr id="35841" name="1 Título"/>
+          <p:cNvPr id="36865" name="1 Título"/>
           <p:cNvSpPr>
             <a:spLocks noGrp="1"/>
           </p:cNvSpPr>
@@ -8741,7 +8667,9 @@
           <a:p>
             <a:pPr eaLnBrk="1" hangingPunct="1"/>
             <a:r>
-              <a:rPr lang="es-AR" b="1" smtClean="0"/>
+              <a:rPr lang="es-AR" sz="4000" b="1" smtClean="0">
+                <a:latin typeface="Trebuchet MS" pitchFamily="34" charset="0"/>
+              </a:rPr>
               <a:t>Arquitectura Implementada</a:t>
             </a:r>
           </a:p>
@@ -8749,7 +8677,7 @@
       </p:sp>
       <p:sp>
         <p:nvSpPr>
-          <p:cNvPr id="35842" name="2 Marcador de contenido"/>
+          <p:cNvPr id="36866" name="2 Marcador de contenido"/>
           <p:cNvSpPr>
             <a:spLocks noGrp="1"/>
           </p:cNvSpPr>
@@ -8824,7 +8752,7 @@
       </p:grpSpPr>
       <p:sp>
         <p:nvSpPr>
-          <p:cNvPr id="39938" name="1 Título"/>
+          <p:cNvPr id="37889" name="1 Título"/>
           <p:cNvSpPr>
             <a:spLocks noGrp="1"/>
           </p:cNvSpPr>
@@ -8839,7 +8767,9 @@
           <a:p>
             <a:pPr eaLnBrk="1" hangingPunct="1"/>
             <a:r>
-              <a:rPr lang="es-AR" b="1" smtClean="0"/>
+              <a:rPr lang="es-AR" sz="4000" b="1" smtClean="0">
+                <a:latin typeface="Trebuchet MS" pitchFamily="34" charset="0"/>
+              </a:rPr>
               <a:t>Arquitectura Implementada</a:t>
             </a:r>
           </a:p>
@@ -8847,7 +8777,7 @@
       </p:sp>
       <p:sp>
         <p:nvSpPr>
-          <p:cNvPr id="39939" name="2 Marcador de contenido"/>
+          <p:cNvPr id="37890" name="2 Marcador de contenido"/>
           <p:cNvSpPr>
             <a:spLocks noGrp="1"/>
           </p:cNvSpPr>
@@ -8937,7 +8867,7 @@
       </p:grpSpPr>
       <p:sp>
         <p:nvSpPr>
-          <p:cNvPr id="36865" name="1 Título"/>
+          <p:cNvPr id="38913" name="1 Título"/>
           <p:cNvSpPr>
             <a:spLocks noGrp="1"/>
           </p:cNvSpPr>
@@ -8952,7 +8882,9 @@
           <a:p>
             <a:pPr eaLnBrk="1" hangingPunct="1"/>
             <a:r>
-              <a:rPr lang="es-AR" b="1" smtClean="0"/>
+              <a:rPr lang="es-AR" sz="4000" b="1" smtClean="0">
+                <a:latin typeface="Trebuchet MS" pitchFamily="34" charset="0"/>
+              </a:rPr>
               <a:t>Servicios de Localización</a:t>
             </a:r>
           </a:p>
@@ -8960,7 +8892,7 @@
       </p:sp>
       <p:sp>
         <p:nvSpPr>
-          <p:cNvPr id="36866" name="2 Marcador de contenido"/>
+          <p:cNvPr id="38914" name="2 Marcador de contenido"/>
           <p:cNvSpPr>
             <a:spLocks noGrp="1"/>
           </p:cNvSpPr>
@@ -9056,7 +8988,7 @@
       </p:grpSpPr>
       <p:sp>
         <p:nvSpPr>
-          <p:cNvPr id="37889" name="1 Título"/>
+          <p:cNvPr id="39937" name="1 Título"/>
           <p:cNvSpPr>
             <a:spLocks noGrp="1"/>
           </p:cNvSpPr>
@@ -9114,21 +9046,21 @@
           <a:p>
             <a:pPr lvl="2" eaLnBrk="1" hangingPunct="1"/>
             <a:r>
-              <a:rPr lang="es-AR" sz="3400" smtClean="0"/>
+              <a:rPr lang="es-AR" sz="3200" smtClean="0"/>
               <a:t>Primera opción.</a:t>
             </a:r>
           </a:p>
           <a:p>
             <a:pPr lvl="2" eaLnBrk="1" hangingPunct="1"/>
             <a:r>
-              <a:rPr lang="es-AR" sz="3400" smtClean="0"/>
+              <a:rPr lang="es-AR" sz="3200" smtClean="0"/>
               <a:t>Más Preciso.</a:t>
             </a:r>
           </a:p>
           <a:p>
             <a:pPr lvl="2" eaLnBrk="1" hangingPunct="1"/>
             <a:r>
-              <a:rPr lang="es-AR" sz="3400" smtClean="0"/>
+              <a:rPr lang="es-AR" sz="3200" smtClean="0"/>
               <a:t>Requiere estar al aire libre para obtener señal de gps.</a:t>
             </a:r>
           </a:p>
@@ -9161,7 +9093,7 @@
       </p:grpSpPr>
       <p:sp>
         <p:nvSpPr>
-          <p:cNvPr id="41986" name="1 Título"/>
+          <p:cNvPr id="40961" name="1 Título"/>
           <p:cNvSpPr>
             <a:spLocks noGrp="1"/>
           </p:cNvSpPr>
@@ -9219,27 +9151,23 @@
           <a:p>
             <a:pPr lvl="2" eaLnBrk="1" hangingPunct="1"/>
             <a:r>
-              <a:rPr lang="es-AR" sz="3400" smtClean="0"/>
+              <a:rPr lang="es-AR" sz="3200" smtClean="0"/>
               <a:t>Se utiliza al no conseguir localización por gps.</a:t>
             </a:r>
           </a:p>
           <a:p>
             <a:pPr lvl="2" eaLnBrk="1" hangingPunct="1"/>
             <a:r>
-              <a:rPr lang="es-AR" sz="3400" smtClean="0"/>
+              <a:rPr lang="es-AR" sz="3200" smtClean="0"/>
               <a:t>Menos preciso.</a:t>
             </a:r>
           </a:p>
           <a:p>
             <a:pPr lvl="2" eaLnBrk="1" hangingPunct="1"/>
             <a:r>
-              <a:rPr lang="es-AR" sz="3400" smtClean="0"/>
+              <a:rPr lang="es-AR" sz="3200" smtClean="0"/>
               <a:t>Utiliza GSM: disponible siempre que el smartphone tenga señal.</a:t>
             </a:r>
-          </a:p>
-          <a:p>
-            <a:pPr eaLnBrk="1" hangingPunct="1"/>
-            <a:endParaRPr lang="es-AR" sz="3400" smtClean="0"/>
           </a:p>
         </p:txBody>
       </p:sp>
@@ -9270,7 +9198,7 @@
       </p:grpSpPr>
       <p:sp>
         <p:nvSpPr>
-          <p:cNvPr id="43010" name="1 Título"/>
+          <p:cNvPr id="41985" name="1 Título"/>
           <p:cNvSpPr>
             <a:spLocks noGrp="1"/>
           </p:cNvSpPr>
@@ -9298,7 +9226,7 @@
       </p:sp>
       <p:sp>
         <p:nvSpPr>
-          <p:cNvPr id="43014" name="2 Marcador de contenido"/>
+          <p:cNvPr id="41986" name="2 Marcador de contenido"/>
           <p:cNvSpPr>
             <a:spLocks/>
           </p:cNvSpPr>
@@ -9370,7 +9298,7 @@
       </p:grpSpPr>
       <p:sp>
         <p:nvSpPr>
-          <p:cNvPr id="45058" name="1 Título"/>
+          <p:cNvPr id="43009" name="1 Título"/>
           <p:cNvSpPr>
             <a:spLocks noGrp="1"/>
           </p:cNvSpPr>
@@ -9398,7 +9326,7 @@
       </p:sp>
       <p:sp>
         <p:nvSpPr>
-          <p:cNvPr id="45059" name="2 Marcador de contenido"/>
+          <p:cNvPr id="43010" name="2 Marcador de contenido"/>
           <p:cNvSpPr>
             <a:spLocks/>
           </p:cNvSpPr>
@@ -9470,7 +9398,7 @@
       </p:grpSpPr>
       <p:sp>
         <p:nvSpPr>
-          <p:cNvPr id="46082" name="1 Título"/>
+          <p:cNvPr id="44033" name="1 Título"/>
           <p:cNvSpPr>
             <a:spLocks noGrp="1"/>
           </p:cNvSpPr>
@@ -9498,7 +9426,7 @@
       </p:sp>
       <p:sp>
         <p:nvSpPr>
-          <p:cNvPr id="46083" name="2 Marcador de contenido"/>
+          <p:cNvPr id="44034" name="2 Marcador de contenido"/>
           <p:cNvSpPr>
             <a:spLocks/>
           </p:cNvSpPr>
@@ -9735,7 +9663,7 @@
               <a:rPr lang="es-AR" sz="3600" b="1" u="none">
                 <a:latin typeface="Calibri" pitchFamily="34" charset="0"/>
               </a:rPr>
-              <a:t>Herramienta de Localización </a:t>
+              <a:t>Acción de Localización </a:t>
             </a:r>
             <a:r>
               <a:rPr lang="es-AR" sz="3600" u="none">
@@ -9950,7 +9878,7 @@
       </p:grpSpPr>
       <p:sp>
         <p:nvSpPr>
-          <p:cNvPr id="47106" name="1 Título"/>
+          <p:cNvPr id="45057" name="1 Título"/>
           <p:cNvSpPr>
             <a:spLocks noGrp="1"/>
           </p:cNvSpPr>
@@ -9978,7 +9906,7 @@
       </p:sp>
       <p:sp>
         <p:nvSpPr>
-          <p:cNvPr id="47107" name="2 Marcador de contenido"/>
+          <p:cNvPr id="45058" name="2 Marcador de contenido"/>
           <p:cNvSpPr>
             <a:spLocks/>
           </p:cNvSpPr>
@@ -10102,7 +10030,7 @@
       </p:sp>
       <p:sp>
         <p:nvSpPr>
-          <p:cNvPr id="38914" name="1 Título"/>
+          <p:cNvPr id="46082" name="1 Título"/>
           <p:cNvSpPr txBox="1">
             <a:spLocks/>
           </p:cNvSpPr>
@@ -10179,7 +10107,7 @@
       </p:cxnSp>
       <p:sp>
         <p:nvSpPr>
-          <p:cNvPr id="38916" name="1 Título"/>
+          <p:cNvPr id="46084" name="1 Título"/>
           <p:cNvSpPr txBox="1">
             <a:spLocks/>
           </p:cNvSpPr>
@@ -10284,7 +10212,7 @@
       </p:sp>
       <p:pic>
         <p:nvPicPr>
-          <p:cNvPr id="38918" name="Picture 5"/>
+          <p:cNvPr id="46086" name="Picture 5"/>
           <p:cNvPicPr>
             <a:picLocks noChangeAspect="1"/>
           </p:cNvPicPr>
@@ -10428,7 +10356,7 @@
           <a:p>
             <a:pPr algn="ctr"/>
             <a:r>
-              <a:rPr lang="es-AR" sz="4800" b="1" u="none">
+              <a:rPr lang="es-AR" sz="4000" b="1" u="none">
                 <a:latin typeface="Trebuchet MS" pitchFamily="34" charset="0"/>
                 <a:ea typeface="Levenim MT"/>
                 <a:cs typeface="Levenim MT"/>
@@ -10485,8 +10413,8 @@
         </p:nvSpPr>
         <p:spPr bwMode="auto">
           <a:xfrm>
-            <a:off x="395288" y="1790700"/>
-            <a:ext cx="8353425" cy="3937000"/>
+            <a:off x="395288" y="1628775"/>
+            <a:ext cx="8353425" cy="1739900"/>
           </a:xfrm>
           <a:prstGeom prst="rect">
             <a:avLst/>
@@ -10525,59 +10453,20 @@
               <a:rPr lang="es-AR" sz="3600" u="none">
                 <a:latin typeface="Calibri" pitchFamily="34" charset="0"/>
               </a:rPr>
-              <a:t> en materia de seguridad aprovechando los servicios de telefonía móvil.</a:t>
-            </a:r>
-          </a:p>
-          <a:p>
-            <a:pPr marL="571500" indent="-571500">
-              <a:buFont typeface="Wingdings" pitchFamily="2" charset="2"/>
-              <a:buChar char="§"/>
-            </a:pPr>
+              <a:t> en materia de seguridad, elegida por la </a:t>
+            </a:r>
+            <a:r>
+              <a:rPr lang="es-AR" sz="3600" b="1" u="none">
+                <a:latin typeface="Calibri" pitchFamily="34" charset="0"/>
+              </a:rPr>
+              <a:t>mayoría de la población</a:t>
+            </a:r>
             <a:r>
               <a:rPr lang="es-AR" sz="3600" u="none">
                 <a:latin typeface="Calibri" pitchFamily="34" charset="0"/>
               </a:rPr>
-              <a:t>Ser distinguibles por ofrecer un </a:t>
-            </a:r>
-            <a:r>
-              <a:rPr lang="es-AR" sz="3600" b="1" u="none">
-                <a:latin typeface="Calibri" pitchFamily="34" charset="0"/>
-              </a:rPr>
-              <a:t>servicio de excelencia</a:t>
-            </a:r>
-            <a:r>
-              <a:rPr lang="es-AR" sz="3600" u="none">
-                <a:latin typeface="Calibri" pitchFamily="34" charset="0"/>
-              </a:rPr>
               <a:t>.</a:t>
             </a:r>
-          </a:p>
-          <a:p>
-            <a:pPr marL="571500" indent="-571500">
-              <a:buFont typeface="Wingdings" pitchFamily="2" charset="2"/>
-              <a:buChar char="§"/>
-            </a:pPr>
-            <a:r>
-              <a:rPr lang="es-AR" sz="3600" u="none">
-                <a:latin typeface="Calibri" pitchFamily="34" charset="0"/>
-              </a:rPr>
-              <a:t>Ser elegidos por la </a:t>
-            </a:r>
-            <a:r>
-              <a:rPr lang="es-AR" sz="3600" b="1" u="none">
-                <a:latin typeface="Calibri" pitchFamily="34" charset="0"/>
-              </a:rPr>
-              <a:t>mayoría de la población</a:t>
-            </a:r>
-            <a:r>
-              <a:rPr lang="es-AR" sz="3600" u="none">
-                <a:latin typeface="Calibri" pitchFamily="34" charset="0"/>
-              </a:rPr>
-              <a:t>.</a:t>
-            </a:r>
-            <a:endParaRPr lang="es-AR" sz="3600" b="1" u="none">
-              <a:latin typeface="Calibri" pitchFamily="34" charset="0"/>
-            </a:endParaRPr>
           </a:p>
         </p:txBody>
       </p:sp>
@@ -10661,6 +10550,101 @@
           </a:ln>
         </p:spPr>
       </p:pic>
+      <p:sp>
+        <p:nvSpPr>
+          <p:cNvPr id="18441" name="1 Título"/>
+          <p:cNvSpPr txBox="1">
+            <a:spLocks/>
+          </p:cNvSpPr>
+          <p:nvPr/>
+        </p:nvSpPr>
+        <p:spPr bwMode="auto">
+          <a:xfrm>
+            <a:off x="971550" y="3644900"/>
+            <a:ext cx="7118350" cy="792163"/>
+          </a:xfrm>
+          <a:prstGeom prst="rect">
+            <a:avLst/>
+          </a:prstGeom>
+          <a:noFill/>
+          <a:ln w="9525">
+            <a:noFill/>
+            <a:miter lim="800000"/>
+            <a:headEnd/>
+            <a:tailEnd/>
+          </a:ln>
+        </p:spPr>
+        <p:txBody>
+          <a:bodyPr anchor="ctr"/>
+          <a:lstStyle/>
+          <a:p>
+            <a:pPr algn="ctr"/>
+            <a:r>
+              <a:rPr lang="es-AR" sz="4000" b="1" u="none">
+                <a:latin typeface="Trebuchet MS" pitchFamily="34" charset="0"/>
+                <a:ea typeface="Levenim MT"/>
+                <a:cs typeface="Levenim MT"/>
+              </a:rPr>
+              <a:t>Nuestra Misión</a:t>
+            </a:r>
+          </a:p>
+        </p:txBody>
+      </p:sp>
+      <p:sp>
+        <p:nvSpPr>
+          <p:cNvPr id="18443" name="TextBox 6"/>
+          <p:cNvSpPr txBox="1">
+            <a:spLocks noChangeArrowheads="1"/>
+          </p:cNvSpPr>
+          <p:nvPr/>
+        </p:nvSpPr>
+        <p:spPr bwMode="auto">
+          <a:xfrm>
+            <a:off x="395288" y="4437063"/>
+            <a:ext cx="8353425" cy="1739900"/>
+          </a:xfrm>
+          <a:prstGeom prst="rect">
+            <a:avLst/>
+          </a:prstGeom>
+          <a:noFill/>
+          <a:ln w="9525">
+            <a:noFill/>
+            <a:miter lim="800000"/>
+            <a:headEnd/>
+            <a:tailEnd/>
+          </a:ln>
+        </p:spPr>
+        <p:txBody>
+          <a:bodyPr>
+            <a:spAutoFit/>
+          </a:bodyPr>
+          <a:lstStyle/>
+          <a:p>
+            <a:pPr marL="571500" indent="-571500">
+              <a:buFont typeface="Wingdings" pitchFamily="2" charset="2"/>
+              <a:buChar char="§"/>
+            </a:pPr>
+            <a:r>
+              <a:rPr lang="es-AR" sz="3600" u="none">
+                <a:latin typeface="Calibri" pitchFamily="34" charset="0"/>
+              </a:rPr>
+              <a:t>Construir un sistema de seguridad </a:t>
+            </a:r>
+            <a:r>
+              <a:rPr lang="es-AR" sz="3600" b="1" u="none">
+                <a:latin typeface="Calibri" pitchFamily="34" charset="0"/>
+              </a:rPr>
+              <a:t>poco eludible</a:t>
+            </a:r>
+            <a:r>
+              <a:rPr lang="es-AR" sz="3600" u="none">
+                <a:latin typeface="Calibri" pitchFamily="34" charset="0"/>
+              </a:rPr>
+              <a:t> para todo aquel que lo consuma.</a:t>
+            </a:r>
+          </a:p>
+        </p:txBody>
+      </p:sp>
     </p:spTree>
   </p:cSld>
   <p:clrMapOvr>
@@ -10833,7 +10817,7 @@
         <p:spPr bwMode="auto">
           <a:xfrm>
             <a:off x="395288" y="1700213"/>
-            <a:ext cx="8353425" cy="5035550"/>
+            <a:ext cx="8353425" cy="4264025"/>
           </a:xfrm>
           <a:prstGeom prst="rect">
             <a:avLst/>
@@ -10865,7 +10849,7 @@
               <a:buChar char="§"/>
             </a:pPr>
             <a:r>
-              <a:rPr lang="es-AR" sz="3600" u="none">
+              <a:rPr lang="es-AR" sz="3400" u="none">
                 <a:latin typeface="Calibri" pitchFamily="34" charset="0"/>
               </a:rPr>
               <a:t>Sistema de seguridad centralizado.</a:t>
@@ -10877,7 +10861,7 @@
               <a:buChar char="§"/>
             </a:pPr>
             <a:r>
-              <a:rPr lang="es-AR" sz="3600" u="none">
+              <a:rPr lang="es-AR" sz="3400" u="none">
                 <a:latin typeface="Calibri" pitchFamily="34" charset="0"/>
               </a:rPr>
               <a:t>Medio de comunicación entre el cliente y la policía, familiares o amigos.</a:t>
@@ -10889,7 +10873,7 @@
               <a:buChar char="§"/>
             </a:pPr>
             <a:r>
-              <a:rPr lang="es-AR" sz="3600" u="none">
+              <a:rPr lang="es-AR" sz="3400" u="none">
                 <a:latin typeface="Calibri" pitchFamily="34" charset="0"/>
               </a:rPr>
               <a:t>Reducir el lapso de tiempo entre el crimen y la presencia policial.</a:t>
@@ -10901,7 +10885,7 @@
               <a:buChar char="§"/>
             </a:pPr>
             <a:r>
-              <a:rPr lang="es-AR" sz="3600" u="none">
+              <a:rPr lang="es-AR" sz="3400" u="none">
                 <a:latin typeface="Calibri" pitchFamily="34" charset="0"/>
               </a:rPr>
               <a:t>Mayor posibilidades de atrapar a los criminales.</a:t>
@@ -11161,7 +11145,7 @@
         <p:spPr bwMode="auto">
           <a:xfrm>
             <a:off x="395288" y="1700213"/>
-            <a:ext cx="8353425" cy="5035550"/>
+            <a:ext cx="8353425" cy="4264025"/>
           </a:xfrm>
           <a:prstGeom prst="rect">
             <a:avLst/>
@@ -11193,7 +11177,7 @@
               <a:buChar char="§"/>
             </a:pPr>
             <a:r>
-              <a:rPr lang="es-AR" sz="3600" u="none">
+              <a:rPr lang="es-AR" sz="3400" u="none">
                 <a:latin typeface="Calibri" pitchFamily="34" charset="0"/>
               </a:rPr>
               <a:t>Apoyo policial en los diferentes distritos.</a:t>
@@ -11205,7 +11189,7 @@
               <a:buChar char="§"/>
             </a:pPr>
             <a:r>
-              <a:rPr lang="es-AR" sz="3600" u="none">
+              <a:rPr lang="es-AR" sz="3400" u="none">
                 <a:latin typeface="Calibri" pitchFamily="34" charset="0"/>
               </a:rPr>
               <a:t>Ministerio o Secretaría de Seguridad.</a:t>
@@ -11217,7 +11201,7 @@
               <a:buChar char="§"/>
             </a:pPr>
             <a:r>
-              <a:rPr lang="es-AR" sz="3600" u="none">
+              <a:rPr lang="es-AR" sz="3400" u="none">
                 <a:latin typeface="Calibri" pitchFamily="34" charset="0"/>
               </a:rPr>
               <a:t>Empresas de telefonía celular.</a:t>
@@ -11229,7 +11213,7 @@
               <a:buChar char="§"/>
             </a:pPr>
             <a:r>
-              <a:rPr lang="es-AR" sz="3600" u="none">
+              <a:rPr lang="es-AR" sz="3400" u="none">
                 <a:latin typeface="Calibri" pitchFamily="34" charset="0"/>
               </a:rPr>
               <a:t>Internet.</a:t>
@@ -11241,7 +11225,7 @@
               <a:buChar char="§"/>
             </a:pPr>
             <a:r>
-              <a:rPr lang="es-AR" sz="3600" u="none">
+              <a:rPr lang="es-AR" sz="3400" u="none">
                 <a:latin typeface="Calibri" pitchFamily="34" charset="0"/>
               </a:rPr>
               <a:t>Portales de venta (BB, Android, iOS).</a:t>
@@ -11253,7 +11237,7 @@
               <a:buChar char="§"/>
             </a:pPr>
             <a:r>
-              <a:rPr lang="es-AR" sz="3600" u="none">
+              <a:rPr lang="es-AR" sz="3400" u="none">
                 <a:latin typeface="Calibri" pitchFamily="34" charset="0"/>
               </a:rPr>
               <a:t>Hosting.</a:t>
@@ -11265,7 +11249,7 @@
               <a:buChar char="§"/>
             </a:pPr>
             <a:r>
-              <a:rPr lang="es-AR" sz="3600" u="none">
+              <a:rPr lang="es-AR" sz="3400" u="none">
                 <a:latin typeface="Calibri" pitchFamily="34" charset="0"/>
               </a:rPr>
               <a:t>Consumidor.</a:t>
@@ -11525,7 +11509,7 @@
         <p:spPr bwMode="auto">
           <a:xfrm>
             <a:off x="395288" y="1700213"/>
-            <a:ext cx="8353425" cy="5078412"/>
+            <a:ext cx="8353425" cy="4173537"/>
           </a:xfrm>
           <a:prstGeom prst="rect">
             <a:avLst/>
@@ -11552,43 +11536,15 @@
             </a:r>
           </a:p>
           <a:p>
-            <a:r>
-              <a:rPr lang="es-AR" sz="3600" b="1" u="none">
-                <a:latin typeface="Calibri" pitchFamily="34" charset="0"/>
-              </a:rPr>
-              <a:t>Acceso Masivo:</a:t>
-            </a:r>
-            <a:r>
-              <a:rPr lang="es-AR" sz="3600" u="none">
-                <a:latin typeface="Calibri" pitchFamily="34" charset="0"/>
-              </a:rPr>
-              <a:t> Ciudadano</a:t>
-            </a:r>
-          </a:p>
-          <a:p>
             <a:pPr marL="1028700" lvl="1" indent="-571500">
               <a:buFont typeface="Wingdings" pitchFamily="2" charset="2"/>
               <a:buChar char="§"/>
             </a:pPr>
             <a:r>
-              <a:rPr lang="es-AR" sz="3600" u="none">
+              <a:rPr lang="es-AR" sz="3400" u="none">
                 <a:latin typeface="Calibri" pitchFamily="34" charset="0"/>
               </a:rPr>
-              <a:t>Gratuito. Fácil Acceso.</a:t>
-            </a:r>
-          </a:p>
-          <a:p>
-            <a:r>
-              <a:rPr lang="es-AR" sz="3600" b="1" u="none">
-                <a:latin typeface="Calibri" pitchFamily="34" charset="0"/>
-              </a:rPr>
-              <a:t>Planes según Necesidades Específicas:</a:t>
-            </a:r>
-            <a:r>
-              <a:rPr lang="es-AR" sz="3600" u="none">
-                <a:latin typeface="Calibri" pitchFamily="34" charset="0"/>
-              </a:rPr>
-              <a:t> Empresarial o Familiar</a:t>
+              <a:t>Orientado a personas que transitan regularmente las calles.</a:t>
             </a:r>
           </a:p>
           <a:p>
@@ -11597,10 +11553,10 @@
               <a:buChar char="§"/>
             </a:pPr>
             <a:r>
-              <a:rPr lang="es-AR" sz="3600" u="none">
+              <a:rPr lang="es-AR" sz="3400" u="none">
                 <a:latin typeface="Calibri" pitchFamily="34" charset="0"/>
               </a:rPr>
-              <a:t>5 $ARS (90.000 usuarios en 36 meses)</a:t>
+              <a:t>Quieren acudir a ayuda policial.</a:t>
             </a:r>
           </a:p>
           <a:p>
@@ -11609,34 +11565,46 @@
               <a:buChar char="§"/>
             </a:pPr>
             <a:r>
-              <a:rPr lang="es-AR" sz="3600" u="none">
+              <a:rPr lang="es-AR" sz="3400" u="none">
                 <a:latin typeface="Calibri" pitchFamily="34" charset="0"/>
               </a:rPr>
-              <a:t>Monitoreo Periódico.</a:t>
-            </a:r>
-          </a:p>
-          <a:p>
-            <a:pPr marL="1028700" lvl="1" indent="-571500">
+              <a:t>Necesidades específicas:</a:t>
+            </a:r>
+          </a:p>
+          <a:p>
+            <a:pPr marL="1600200" lvl="3" indent="-228600">
               <a:buFont typeface="Wingdings" pitchFamily="2" charset="2"/>
               <a:buChar char="§"/>
             </a:pPr>
             <a:r>
-              <a:rPr lang="es-AR" sz="3600" u="none">
+              <a:rPr lang="es-AR" sz="3200" u="none">
                 <a:latin typeface="Calibri" pitchFamily="34" charset="0"/>
               </a:rPr>
-              <a:t>Alarmas de Zona Peligrosa.</a:t>
-            </a:r>
-          </a:p>
-          <a:p>
-            <a:pPr marL="1028700" lvl="1" indent="-571500">
+              <a:t>Empresariales</a:t>
+            </a:r>
+          </a:p>
+          <a:p>
+            <a:pPr marL="1600200" lvl="3" indent="-228600">
               <a:buFont typeface="Wingdings" pitchFamily="2" charset="2"/>
               <a:buChar char="§"/>
             </a:pPr>
             <a:r>
-              <a:rPr lang="es-AR" sz="3600" u="none">
+              <a:rPr lang="es-AR" sz="3200" u="none">
                 <a:latin typeface="Calibri" pitchFamily="34" charset="0"/>
               </a:rPr>
-              <a:t>Esquema de Check-Points.</a:t>
+              <a:t>Familiares</a:t>
+            </a:r>
+          </a:p>
+          <a:p>
+            <a:pPr marL="1600200" lvl="3" indent="-228600">
+              <a:buFont typeface="Wingdings" pitchFamily="2" charset="2"/>
+              <a:buChar char="§"/>
+            </a:pPr>
+            <a:r>
+              <a:rPr lang="es-AR" sz="3200" u="none">
+                <a:latin typeface="Calibri" pitchFamily="34" charset="0"/>
+              </a:rPr>
+              <a:t>Otras</a:t>
             </a:r>
           </a:p>
         </p:txBody>
@@ -11893,7 +11861,7 @@
         <p:spPr bwMode="auto">
           <a:xfrm>
             <a:off x="395288" y="1700213"/>
-            <a:ext cx="8353425" cy="5016500"/>
+            <a:ext cx="8353425" cy="4751387"/>
           </a:xfrm>
           <a:prstGeom prst="rect">
             <a:avLst/>
@@ -11921,12 +11889,12 @@
           </a:p>
           <a:p>
             <a:r>
-              <a:rPr lang="es-AR" sz="3600" b="1" u="none">
+              <a:rPr lang="es-AR" sz="3400" b="1" u="none">
                 <a:latin typeface="Calibri" pitchFamily="34" charset="0"/>
               </a:rPr>
               <a:t>Fortalezas:</a:t>
             </a:r>
-            <a:endParaRPr lang="es-AR" sz="3600" u="none">
+            <a:endParaRPr lang="es-AR" sz="3400" u="none">
               <a:latin typeface="Calibri" pitchFamily="34" charset="0"/>
             </a:endParaRPr>
           </a:p>
@@ -11936,7 +11904,7 @@
               <a:buChar char="§"/>
             </a:pPr>
             <a:r>
-              <a:rPr lang="es-AR" sz="3600" u="none">
+              <a:rPr lang="es-AR" sz="3400" u="none">
                 <a:latin typeface="Calibri" pitchFamily="34" charset="0"/>
               </a:rPr>
               <a:t>Único requisito: Poseer un teléfono.</a:t>
@@ -11948,7 +11916,7 @@
               <a:buChar char="§"/>
             </a:pPr>
             <a:r>
-              <a:rPr lang="es-AR" sz="3600" u="none">
+              <a:rPr lang="es-AR" sz="3400" u="none">
                 <a:latin typeface="Calibri" pitchFamily="34" charset="0"/>
               </a:rPr>
               <a:t>Fuertemente instalado en la sociedad.</a:t>
@@ -11956,12 +11924,12 @@
           </a:p>
           <a:p>
             <a:r>
-              <a:rPr lang="es-AR" sz="3600" b="1" u="none">
+              <a:rPr lang="es-AR" sz="3400" b="1" u="none">
                 <a:latin typeface="Calibri" pitchFamily="34" charset="0"/>
               </a:rPr>
               <a:t>Debilidades:</a:t>
             </a:r>
-            <a:endParaRPr lang="es-AR" sz="3600" u="none">
+            <a:endParaRPr lang="es-AR" sz="3400" u="none">
               <a:latin typeface="Calibri" pitchFamily="34" charset="0"/>
             </a:endParaRPr>
           </a:p>
@@ -11983,7 +11951,7 @@
               <a:buChar char="§"/>
             </a:pPr>
             <a:r>
-              <a:rPr lang="es-AR" sz="3600" u="none">
+              <a:rPr lang="es-AR" sz="3400" u="none">
                 <a:latin typeface="Calibri" pitchFamily="34" charset="0"/>
               </a:rPr>
               <a:t>Tiempos de respuesta lentos.</a:t>
@@ -11995,7 +11963,7 @@
               <a:buChar char="§"/>
             </a:pPr>
             <a:r>
-              <a:rPr lang="es-AR" sz="3600" u="none">
+              <a:rPr lang="es-AR" sz="3400" u="none">
                 <a:latin typeface="Calibri" pitchFamily="34" charset="0"/>
               </a:rPr>
               <a:t>Efectividad del servicio recae en la lucidez del cliente.</a:t>
@@ -12255,7 +12223,7 @@
         <p:spPr bwMode="auto">
           <a:xfrm>
             <a:off x="395288" y="1700213"/>
-            <a:ext cx="8353425" cy="4524375"/>
+            <a:ext cx="8353425" cy="4264025"/>
           </a:xfrm>
           <a:prstGeom prst="rect">
             <a:avLst/>
@@ -12287,7 +12255,7 @@
               <a:buChar char="§"/>
             </a:pPr>
             <a:r>
-              <a:rPr lang="es-AR" sz="3600" u="none">
+              <a:rPr lang="es-AR" sz="3400" u="none">
                 <a:latin typeface="Calibri" pitchFamily="34" charset="0"/>
               </a:rPr>
               <a:t>Alta sensación de inseguridad.</a:t>
@@ -12299,7 +12267,7 @@
               <a:buChar char="§"/>
             </a:pPr>
             <a:r>
-              <a:rPr lang="es-AR" sz="3600" u="none">
+              <a:rPr lang="es-AR" sz="3400" u="none">
                 <a:latin typeface="Calibri" pitchFamily="34" charset="0"/>
               </a:rPr>
               <a:t>Falta de respuestas efectivas ante un delito.</a:t>
@@ -12311,7 +12279,7 @@
               <a:buChar char="§"/>
             </a:pPr>
             <a:r>
-              <a:rPr lang="es-AR" sz="3600" u="none">
+              <a:rPr lang="es-AR" sz="3400" u="none">
                 <a:latin typeface="Calibri" pitchFamily="34" charset="0"/>
               </a:rPr>
               <a:t>Crecimiento del mercado de smartphones.</a:t>
@@ -12323,7 +12291,7 @@
               <a:buChar char="§"/>
             </a:pPr>
             <a:r>
-              <a:rPr lang="es-AR" sz="3600" u="none">
+              <a:rPr lang="es-AR" sz="3400" u="none">
                 <a:latin typeface="Calibri" pitchFamily="34" charset="0"/>
               </a:rPr>
               <a:t>Gobierno de CABA interesado en este tipo de soluciones.</a:t>

--- a/trunk/docs/Presentacion final/PresentacionFinal_V7.pptx
+++ b/trunk/docs/Presentacion final/PresentacionFinal_V7.pptx
@@ -605,11 +605,11 @@
           </c:yVal>
           <c:smooth val="1"/>
         </c:ser>
-        <c:axId val="36256384"/>
-        <c:axId val="36291328"/>
+        <c:axId val="36108160"/>
+        <c:axId val="36147200"/>
       </c:scatterChart>
       <c:valAx>
-        <c:axId val="36256384"/>
+        <c:axId val="36108160"/>
         <c:scaling>
           <c:orientation val="minMax"/>
         </c:scaling>
@@ -644,13 +644,13 @@
             <a:endParaRPr lang="es-AR"/>
           </a:p>
         </c:txPr>
-        <c:crossAx val="36291328"/>
+        <c:crossAx val="36147200"/>
         <c:crosses val="autoZero"/>
         <c:crossBetween val="midCat"/>
         <c:majorUnit val="1"/>
       </c:valAx>
       <c:valAx>
-        <c:axId val="36291328"/>
+        <c:axId val="36147200"/>
         <c:scaling>
           <c:orientation val="minMax"/>
         </c:scaling>
@@ -685,7 +685,7 @@
             <a:endParaRPr lang="es-AR"/>
           </a:p>
         </c:txPr>
-        <c:crossAx val="36256384"/>
+        <c:crossAx val="36108160"/>
         <c:crosses val="autoZero"/>
         <c:crossBetween val="midCat"/>
       </c:valAx>
@@ -819,7 +819,7 @@
             <a:pPr>
               <a:defRPr/>
             </a:pPr>
-            <a:fld id="{8D2280D6-EDFD-4FAB-A6B1-F84F06AA7F37}" type="datetimeFigureOut">
+            <a:fld id="{56ECEBF5-3F30-4F25-A064-DD29B9D501B8}" type="datetimeFigureOut">
               <a:rPr lang="es-AR"/>
               <a:pPr>
                 <a:defRPr/>
@@ -1006,7 +1006,7 @@
             <a:pPr>
               <a:defRPr/>
             </a:pPr>
-            <a:fld id="{DDB3F0EA-9079-44AC-BA8D-930709181E8B}" type="slidenum">
+            <a:fld id="{085D762A-E31A-4498-A16C-B37AD26768F5}" type="slidenum">
               <a:rPr lang="es-AR"/>
               <a:pPr>
                 <a:defRPr/>
@@ -1248,7 +1248,7 @@
               </a:spcAft>
               <a:defRPr/>
             </a:pPr>
-            <a:fld id="{6F8B651F-920B-46A7-8055-2B2DEA560EAC}" type="slidenum">
+            <a:fld id="{E742173F-BD65-4685-8DA1-DEA9D8A80102}" type="slidenum">
               <a:rPr lang="es-AR"/>
               <a:pPr fontAlgn="base">
                 <a:spcBef>
@@ -1459,7 +1459,7 @@
             <a:pPr>
               <a:defRPr/>
             </a:pPr>
-            <a:fld id="{00E8889A-5331-4F6D-9057-C02D07CE5B76}" type="datetimeFigureOut">
+            <a:fld id="{16053F7C-BE0C-4040-92D6-BDC7832DC8BD}" type="datetimeFigureOut">
               <a:rPr lang="es-AR"/>
               <a:pPr>
                 <a:defRPr/>
@@ -1518,7 +1518,7 @@
             <a:pPr>
               <a:defRPr/>
             </a:pPr>
-            <a:fld id="{2173F600-1AF4-4D6F-B429-A8A946EA67DB}" type="slidenum">
+            <a:fld id="{0D1A9E6B-CFE5-4A72-9FB4-08D8A3C2FFAA}" type="slidenum">
               <a:rPr lang="es-AR"/>
               <a:pPr>
                 <a:defRPr/>
@@ -1651,7 +1651,7 @@
             <a:pPr>
               <a:defRPr/>
             </a:pPr>
-            <a:fld id="{9A881CD0-DC17-49D9-A011-054ED04D0915}" type="datetimeFigureOut">
+            <a:fld id="{4825B8C6-AEAE-4EAB-A331-9ADEB026D5CC}" type="datetimeFigureOut">
               <a:rPr lang="es-AR"/>
               <a:pPr>
                 <a:defRPr/>
@@ -1710,7 +1710,7 @@
             <a:pPr>
               <a:defRPr/>
             </a:pPr>
-            <a:fld id="{C54B51A1-4D44-4423-AA72-C41E4040D18B}" type="slidenum">
+            <a:fld id="{1EB0261E-9696-4324-B2D9-875B36F720AA}" type="slidenum">
               <a:rPr lang="es-AR"/>
               <a:pPr>
                 <a:defRPr/>
@@ -1853,7 +1853,7 @@
             <a:pPr>
               <a:defRPr/>
             </a:pPr>
-            <a:fld id="{527F0931-ED55-4B6E-B964-37E2D8CACE08}" type="datetimeFigureOut">
+            <a:fld id="{3EC9864C-F0BD-4EF2-90E4-F4AF629F526D}" type="datetimeFigureOut">
               <a:rPr lang="es-AR"/>
               <a:pPr>
                 <a:defRPr/>
@@ -1912,7 +1912,7 @@
             <a:pPr>
               <a:defRPr/>
             </a:pPr>
-            <a:fld id="{4B4BAD97-2753-4395-9DDA-E1EB794EE2E7}" type="slidenum">
+            <a:fld id="{A8EB219F-827C-4C19-81E1-D85FE6C9EADA}" type="slidenum">
               <a:rPr lang="es-AR"/>
               <a:pPr>
                 <a:defRPr/>
@@ -2045,7 +2045,7 @@
             <a:pPr>
               <a:defRPr/>
             </a:pPr>
-            <a:fld id="{89196B1C-BC49-462E-A37F-F99B067138D4}" type="datetimeFigureOut">
+            <a:fld id="{2D671D0B-51CA-4E51-9988-7984D9B9333B}" type="datetimeFigureOut">
               <a:rPr lang="es-AR"/>
               <a:pPr>
                 <a:defRPr/>
@@ -2104,7 +2104,7 @@
             <a:pPr>
               <a:defRPr/>
             </a:pPr>
-            <a:fld id="{1609F0CE-FA56-43C7-8F75-3CBD329924A9}" type="slidenum">
+            <a:fld id="{6D515CD9-0C99-436B-A036-E7FEAADB30C9}" type="slidenum">
               <a:rPr lang="es-AR"/>
               <a:pPr>
                 <a:defRPr/>
@@ -2313,7 +2313,7 @@
             <a:pPr>
               <a:defRPr/>
             </a:pPr>
-            <a:fld id="{3DE96C76-C263-44BE-9265-4CCE796BDA51}" type="datetimeFigureOut">
+            <a:fld id="{6F350625-3EAB-4653-AEC7-90ACD33035C4}" type="datetimeFigureOut">
               <a:rPr lang="es-AR"/>
               <a:pPr>
                 <a:defRPr/>
@@ -2372,7 +2372,7 @@
             <a:pPr>
               <a:defRPr/>
             </a:pPr>
-            <a:fld id="{F65ED0FE-125F-4BF0-8DFE-A528A9163AF6}" type="slidenum">
+            <a:fld id="{EE81918B-D937-4A07-B661-A6B5EE25CA64}" type="slidenum">
               <a:rPr lang="es-AR"/>
               <a:pPr>
                 <a:defRPr/>
@@ -2623,7 +2623,7 @@
             <a:pPr>
               <a:defRPr/>
             </a:pPr>
-            <a:fld id="{A3CDD72E-C6F0-4256-B721-0A7AE877D93F}" type="datetimeFigureOut">
+            <a:fld id="{5C21E1C3-4445-4E37-84D0-CAD05AD93FFB}" type="datetimeFigureOut">
               <a:rPr lang="es-AR"/>
               <a:pPr>
                 <a:defRPr/>
@@ -2682,7 +2682,7 @@
             <a:pPr>
               <a:defRPr/>
             </a:pPr>
-            <a:fld id="{B3F9DDD3-EF6E-4998-906E-53FB60D31E8A}" type="slidenum">
+            <a:fld id="{FA6000BB-7729-4821-94E0-CA3CB2EFBA74}" type="slidenum">
               <a:rPr lang="es-AR"/>
               <a:pPr>
                 <a:defRPr/>
@@ -3067,7 +3067,7 @@
             <a:pPr>
               <a:defRPr/>
             </a:pPr>
-            <a:fld id="{A6FCDE92-3B45-4A70-ADCE-1EFB467DCBFE}" type="datetimeFigureOut">
+            <a:fld id="{CDDCCC28-AA8D-4F93-B14A-5F3EE9350A1C}" type="datetimeFigureOut">
               <a:rPr lang="es-AR"/>
               <a:pPr>
                 <a:defRPr/>
@@ -3126,7 +3126,7 @@
             <a:pPr>
               <a:defRPr/>
             </a:pPr>
-            <a:fld id="{2A205961-C27B-4C21-AE3F-F2515F30E0B7}" type="slidenum">
+            <a:fld id="{A7E38A3A-8B19-4660-9C36-3240FFADBCBC}" type="slidenum">
               <a:rPr lang="es-AR"/>
               <a:pPr>
                 <a:defRPr/>
@@ -3207,7 +3207,7 @@
             <a:pPr>
               <a:defRPr/>
             </a:pPr>
-            <a:fld id="{FAD41D99-043E-4791-9702-3D66A4C86381}" type="datetimeFigureOut">
+            <a:fld id="{1A1070DB-56D3-468A-8527-7BBFD391F216}" type="datetimeFigureOut">
               <a:rPr lang="es-AR"/>
               <a:pPr>
                 <a:defRPr/>
@@ -3266,7 +3266,7 @@
             <a:pPr>
               <a:defRPr/>
             </a:pPr>
-            <a:fld id="{E18C284D-A4E4-4570-A319-A2590BD3F000}" type="slidenum">
+            <a:fld id="{9AC7D74B-12C1-4E6F-8F37-0C5FADEE91AA}" type="slidenum">
               <a:rPr lang="es-AR"/>
               <a:pPr>
                 <a:defRPr/>
@@ -3324,7 +3324,7 @@
             <a:pPr>
               <a:defRPr/>
             </a:pPr>
-            <a:fld id="{51ABB783-F27B-4C0D-B5B7-2CFECBB12089}" type="datetimeFigureOut">
+            <a:fld id="{0149D032-A025-4A24-9153-62EE04171C8C}" type="datetimeFigureOut">
               <a:rPr lang="es-AR"/>
               <a:pPr>
                 <a:defRPr/>
@@ -3383,7 +3383,7 @@
             <a:pPr>
               <a:defRPr/>
             </a:pPr>
-            <a:fld id="{8C346C80-985B-4E17-9AB7-8192CA705E82}" type="slidenum">
+            <a:fld id="{C004871C-E734-4085-B35E-7100C308D3E8}" type="slidenum">
               <a:rPr lang="es-AR"/>
               <a:pPr>
                 <a:defRPr/>
@@ -3623,7 +3623,7 @@
             <a:pPr>
               <a:defRPr/>
             </a:pPr>
-            <a:fld id="{E2B3D393-6C8E-466E-9E59-FDDAD1374A5C}" type="datetimeFigureOut">
+            <a:fld id="{809C77D4-57BD-4A0C-A021-5EB2FEBD2051}" type="datetimeFigureOut">
               <a:rPr lang="es-AR"/>
               <a:pPr>
                 <a:defRPr/>
@@ -3682,7 +3682,7 @@
             <a:pPr>
               <a:defRPr/>
             </a:pPr>
-            <a:fld id="{BE1CB5D9-465F-4B65-B252-B79029ADF9E9}" type="slidenum">
+            <a:fld id="{D2C3D94D-784D-41A9-A87E-6075CE00E381}" type="slidenum">
               <a:rPr lang="es-AR"/>
               <a:pPr>
                 <a:defRPr/>
@@ -3901,7 +3901,7 @@
             <a:pPr>
               <a:defRPr/>
             </a:pPr>
-            <a:fld id="{6A1CD7CF-5837-4BEF-BAD7-AF5715C02540}" type="datetimeFigureOut">
+            <a:fld id="{09450026-11FD-4D1E-9712-36FBBA0C7D39}" type="datetimeFigureOut">
               <a:rPr lang="es-AR"/>
               <a:pPr>
                 <a:defRPr/>
@@ -3960,7 +3960,7 @@
             <a:pPr>
               <a:defRPr/>
             </a:pPr>
-            <a:fld id="{311448DF-DB06-4704-A547-43C98CDD4333}" type="slidenum">
+            <a:fld id="{FA29DBFE-ABDC-4348-B43C-D3DEAA533374}" type="slidenum">
               <a:rPr lang="es-AR"/>
               <a:pPr>
                 <a:defRPr/>
@@ -4167,7 +4167,7 @@
             <a:pPr>
               <a:defRPr/>
             </a:pPr>
-            <a:fld id="{6F3D9EA3-2669-43B4-BF5A-6033607BBE0D}" type="datetimeFigureOut">
+            <a:fld id="{C309A362-24F4-4F4E-85D5-EC7E5BA325D0}" type="datetimeFigureOut">
               <a:rPr lang="es-AR"/>
               <a:pPr>
                 <a:defRPr/>
@@ -4268,7 +4268,7 @@
             <a:pPr>
               <a:defRPr/>
             </a:pPr>
-            <a:fld id="{CB610E8A-F4B6-4FC8-B417-E8DA965A1F4F}" type="slidenum">
+            <a:fld id="{AD809642-7DA2-4005-A18D-7D8EE604AE75}" type="slidenum">
               <a:rPr lang="es-AR"/>
               <a:pPr>
                 <a:defRPr/>
@@ -5093,7 +5093,7 @@
       </p:cxnSp>
       <p:sp>
         <p:nvSpPr>
-          <p:cNvPr id="26629" name="TextBox 6"/>
+          <p:cNvPr id="24580" name="TextBox 6"/>
           <p:cNvSpPr txBox="1">
             <a:spLocks noChangeArrowheads="1"/>
           </p:cNvSpPr>
@@ -6181,7 +6181,7 @@
       </p:cxnSp>
       <p:sp>
         <p:nvSpPr>
-          <p:cNvPr id="26629" name="TextBox 6"/>
+          <p:cNvPr id="27652" name="TextBox 6"/>
           <p:cNvSpPr txBox="1">
             <a:spLocks noChangeArrowheads="1"/>
           </p:cNvSpPr>
@@ -7152,12 +7152,12 @@
           <a:p>
             <a:pPr algn="ctr"/>
             <a:r>
-              <a:rPr lang="es-AR" sz="3800" b="1" u="none">
+              <a:rPr lang="es-AR" sz="4000" b="1" u="none">
                 <a:latin typeface="Trebuchet MS" pitchFamily="34" charset="0"/>
               </a:rPr>
               <a:t>Análisis de oportunidad</a:t>
             </a:r>
-            <a:endParaRPr lang="es-AR" sz="3800" b="1" u="none">
+            <a:endParaRPr lang="es-AR" sz="4000" b="1" u="none">
               <a:latin typeface="Trebuchet MS" pitchFamily="34" charset="0"/>
               <a:ea typeface="Levenim MT"/>
               <a:cs typeface="Levenim MT"/>
@@ -9003,7 +9003,9 @@
           <a:p>
             <a:pPr eaLnBrk="1" hangingPunct="1"/>
             <a:r>
-              <a:rPr lang="es-AR" b="1" smtClean="0"/>
+              <a:rPr lang="es-AR" sz="4000" b="1" smtClean="0">
+                <a:latin typeface="Trebuchet MS" pitchFamily="34" charset="0"/>
+              </a:rPr>
               <a:t>Servicios de Localización</a:t>
             </a:r>
           </a:p>
@@ -9024,14 +9026,18 @@
           <a:bodyPr/>
           <a:lstStyle/>
           <a:p>
-            <a:pPr eaLnBrk="1" hangingPunct="1"/>
+            <a:pPr eaLnBrk="1" hangingPunct="1">
+              <a:defRPr/>
+            </a:pPr>
             <a:r>
               <a:rPr lang="es-AR" sz="3600" b="1" smtClean="0"/>
               <a:t>Localización al emitir señal de emergencia:</a:t>
             </a:r>
           </a:p>
           <a:p>
-            <a:pPr lvl="1" eaLnBrk="1" hangingPunct="1"/>
+            <a:pPr lvl="1" eaLnBrk="1" hangingPunct="1">
+              <a:defRPr/>
+            </a:pPr>
             <a:r>
               <a:rPr lang="es-AR" sz="3600" i="1" smtClean="0">
                 <a:effectLst>
@@ -9044,21 +9050,27 @@
             </a:r>
           </a:p>
           <a:p>
-            <a:pPr lvl="2" eaLnBrk="1" hangingPunct="1"/>
+            <a:pPr lvl="2" eaLnBrk="1" hangingPunct="1">
+              <a:defRPr/>
+            </a:pPr>
             <a:r>
               <a:rPr lang="es-AR" sz="3200" smtClean="0"/>
               <a:t>Primera opción.</a:t>
             </a:r>
           </a:p>
           <a:p>
-            <a:pPr lvl="2" eaLnBrk="1" hangingPunct="1"/>
+            <a:pPr lvl="2" eaLnBrk="1" hangingPunct="1">
+              <a:defRPr/>
+            </a:pPr>
             <a:r>
               <a:rPr lang="es-AR" sz="3200" smtClean="0"/>
               <a:t>Más Preciso.</a:t>
             </a:r>
           </a:p>
           <a:p>
-            <a:pPr lvl="2" eaLnBrk="1" hangingPunct="1"/>
+            <a:pPr lvl="2" eaLnBrk="1" hangingPunct="1">
+              <a:defRPr/>
+            </a:pPr>
             <a:r>
               <a:rPr lang="es-AR" sz="3200" smtClean="0"/>
               <a:t>Requiere estar al aire libre para obtener señal de gps.</a:t>
@@ -9108,7 +9120,9 @@
           <a:p>
             <a:pPr eaLnBrk="1" hangingPunct="1"/>
             <a:r>
-              <a:rPr lang="es-AR" b="1" smtClean="0"/>
+              <a:rPr lang="es-AR" sz="4000" b="1" smtClean="0">
+                <a:latin typeface="Trebuchet MS" pitchFamily="34" charset="0"/>
+              </a:rPr>
               <a:t>Servicios de Localización</a:t>
             </a:r>
           </a:p>
@@ -9129,14 +9143,18 @@
           <a:bodyPr/>
           <a:lstStyle/>
           <a:p>
-            <a:pPr eaLnBrk="1" hangingPunct="1"/>
+            <a:pPr eaLnBrk="1" hangingPunct="1">
+              <a:defRPr/>
+            </a:pPr>
             <a:r>
               <a:rPr lang="es-AR" sz="3600" b="1" smtClean="0"/>
               <a:t>Localización al emitir señal de emergencia:</a:t>
             </a:r>
           </a:p>
           <a:p>
-            <a:pPr lvl="1" eaLnBrk="1" hangingPunct="1"/>
+            <a:pPr lvl="1" eaLnBrk="1" hangingPunct="1">
+              <a:defRPr/>
+            </a:pPr>
             <a:r>
               <a:rPr lang="es-AR" sz="3600" i="1" smtClean="0">
                 <a:effectLst>
@@ -9149,21 +9167,27 @@
             </a:r>
           </a:p>
           <a:p>
-            <a:pPr lvl="2" eaLnBrk="1" hangingPunct="1"/>
+            <a:pPr lvl="2" eaLnBrk="1" hangingPunct="1">
+              <a:defRPr/>
+            </a:pPr>
             <a:r>
               <a:rPr lang="es-AR" sz="3200" smtClean="0"/>
               <a:t>Se utiliza al no conseguir localización por gps.</a:t>
             </a:r>
           </a:p>
           <a:p>
-            <a:pPr lvl="2" eaLnBrk="1" hangingPunct="1"/>
+            <a:pPr lvl="2" eaLnBrk="1" hangingPunct="1">
+              <a:defRPr/>
+            </a:pPr>
             <a:r>
               <a:rPr lang="es-AR" sz="3200" smtClean="0"/>
               <a:t>Menos preciso.</a:t>
             </a:r>
           </a:p>
           <a:p>
-            <a:pPr lvl="2" eaLnBrk="1" hangingPunct="1"/>
+            <a:pPr lvl="2" eaLnBrk="1" hangingPunct="1">
+              <a:defRPr/>
+            </a:pPr>
             <a:r>
               <a:rPr lang="es-AR" sz="3200" smtClean="0"/>
               <a:t>Utiliza GSM: disponible siempre que el smartphone tenga señal.</a:t>
@@ -9218,7 +9242,9 @@
           <a:p>
             <a:pPr eaLnBrk="1" hangingPunct="1"/>
             <a:r>
-              <a:rPr lang="es-AR" b="1" smtClean="0"/>
+              <a:rPr lang="es-AR" sz="4000" b="1" smtClean="0">
+                <a:latin typeface="Trebuchet MS" pitchFamily="34" charset="0"/>
+              </a:rPr>
               <a:t>Funciones aplicación gratuita</a:t>
             </a:r>
           </a:p>
@@ -9271,6 +9297,32 @@
           </a:p>
         </p:txBody>
       </p:sp>
+      <p:pic>
+        <p:nvPicPr>
+          <p:cNvPr id="41989" name="Picture 5" descr="MU Enviar Alerta_4"/>
+          <p:cNvPicPr>
+            <a:picLocks noChangeAspect="1" noChangeArrowheads="1"/>
+          </p:cNvPicPr>
+          <p:nvPr/>
+        </p:nvPicPr>
+        <p:blipFill>
+          <a:blip r:embed="rId2"/>
+          <a:srcRect/>
+          <a:stretch>
+            <a:fillRect/>
+          </a:stretch>
+        </p:blipFill>
+        <p:spPr bwMode="auto">
+          <a:xfrm>
+            <a:off x="250825" y="1916113"/>
+            <a:ext cx="8642350" cy="4443412"/>
+          </a:xfrm>
+          <a:prstGeom prst="rect">
+            <a:avLst/>
+          </a:prstGeom>
+          <a:noFill/>
+        </p:spPr>
+      </p:pic>
     </p:spTree>
   </p:cSld>
   <p:clrMapOvr>
@@ -9318,7 +9370,9 @@
           <a:p>
             <a:pPr eaLnBrk="1" hangingPunct="1"/>
             <a:r>
-              <a:rPr lang="es-AR" b="1" smtClean="0"/>
+              <a:rPr lang="es-AR" sz="4000" b="1" smtClean="0">
+                <a:latin typeface="Trebuchet MS" pitchFamily="34" charset="0"/>
+              </a:rPr>
               <a:t>Funciones aplicación completa</a:t>
             </a:r>
           </a:p>
@@ -9371,6 +9425,32 @@
           </a:p>
         </p:txBody>
       </p:sp>
+      <p:pic>
+        <p:nvPicPr>
+          <p:cNvPr id="43012" name="Picture 4" descr="MU Configurar Checkpoint_4 para ppt"/>
+          <p:cNvPicPr>
+            <a:picLocks noChangeAspect="1" noChangeArrowheads="1"/>
+          </p:cNvPicPr>
+          <p:nvPr/>
+        </p:nvPicPr>
+        <p:blipFill>
+          <a:blip r:embed="rId2"/>
+          <a:srcRect/>
+          <a:stretch>
+            <a:fillRect/>
+          </a:stretch>
+        </p:blipFill>
+        <p:spPr bwMode="auto">
+          <a:xfrm>
+            <a:off x="250825" y="1989138"/>
+            <a:ext cx="8713788" cy="4295775"/>
+          </a:xfrm>
+          <a:prstGeom prst="rect">
+            <a:avLst/>
+          </a:prstGeom>
+          <a:noFill/>
+        </p:spPr>
+      </p:pic>
     </p:spTree>
   </p:cSld>
   <p:clrMapOvr>
@@ -9471,6 +9551,32 @@
           </a:p>
         </p:txBody>
       </p:sp>
+      <p:pic>
+        <p:nvPicPr>
+          <p:cNvPr id="44036" name="Picture 4" descr="MU Configurar Destinatarios_4 para ppt"/>
+          <p:cNvPicPr>
+            <a:picLocks noChangeAspect="1" noChangeArrowheads="1"/>
+          </p:cNvPicPr>
+          <p:nvPr/>
+        </p:nvPicPr>
+        <p:blipFill>
+          <a:blip r:embed="rId2"/>
+          <a:srcRect/>
+          <a:stretch>
+            <a:fillRect/>
+          </a:stretch>
+        </p:blipFill>
+        <p:spPr bwMode="auto">
+          <a:xfrm>
+            <a:off x="539750" y="1700213"/>
+            <a:ext cx="7920038" cy="5021262"/>
+          </a:xfrm>
+          <a:prstGeom prst="rect">
+            <a:avLst/>
+          </a:prstGeom>
+          <a:noFill/>
+        </p:spPr>
+      </p:pic>
     </p:spTree>
   </p:cSld>
   <p:clrMapOvr>
@@ -9914,7 +10020,7 @@
         </p:nvSpPr>
         <p:spPr bwMode="auto">
           <a:xfrm>
-            <a:off x="250825" y="1125538"/>
+            <a:off x="250825" y="981075"/>
             <a:ext cx="8229600" cy="676275"/>
           </a:xfrm>
           <a:prstGeom prst="rect">
@@ -9951,6 +10057,32 @@
           </a:p>
         </p:txBody>
       </p:sp>
+      <p:pic>
+        <p:nvPicPr>
+          <p:cNvPr id="45060" name="Picture 4" descr="MU Configurar Mensaje_4"/>
+          <p:cNvPicPr>
+            <a:picLocks noChangeAspect="1" noChangeArrowheads="1"/>
+          </p:cNvPicPr>
+          <p:nvPr/>
+        </p:nvPicPr>
+        <p:blipFill>
+          <a:blip r:embed="rId2"/>
+          <a:srcRect/>
+          <a:stretch>
+            <a:fillRect/>
+          </a:stretch>
+        </p:blipFill>
+        <p:spPr bwMode="auto">
+          <a:xfrm>
+            <a:off x="468313" y="1557338"/>
+            <a:ext cx="8137525" cy="5122862"/>
+          </a:xfrm>
+          <a:prstGeom prst="rect">
+            <a:avLst/>
+          </a:prstGeom>
+          <a:noFill/>
+        </p:spPr>
+      </p:pic>
     </p:spTree>
   </p:cSld>
   <p:clrMapOvr>
@@ -10552,7 +10684,7 @@
       </p:pic>
       <p:sp>
         <p:nvSpPr>
-          <p:cNvPr id="18441" name="1 Título"/>
+          <p:cNvPr id="18439" name="1 Título"/>
           <p:cNvSpPr txBox="1">
             <a:spLocks/>
           </p:cNvSpPr>
@@ -10592,7 +10724,7 @@
       </p:sp>
       <p:sp>
         <p:nvSpPr>
-          <p:cNvPr id="18443" name="TextBox 6"/>
+          <p:cNvPr id="18440" name="TextBox 6"/>
           <p:cNvSpPr txBox="1">
             <a:spLocks noChangeArrowheads="1"/>
           </p:cNvSpPr>
@@ -10817,7 +10949,7 @@
         <p:spPr bwMode="auto">
           <a:xfrm>
             <a:off x="395288" y="1700213"/>
-            <a:ext cx="8353425" cy="4264025"/>
+            <a:ext cx="8353425" cy="3228975"/>
           </a:xfrm>
           <a:prstGeom prst="rect">
             <a:avLst/>
@@ -10852,7 +10984,7 @@
               <a:rPr lang="es-AR" sz="3400" u="none">
                 <a:latin typeface="Calibri" pitchFamily="34" charset="0"/>
               </a:rPr>
-              <a:t>Sistema de seguridad centralizado.</a:t>
+              <a:t>Organización joven.</a:t>
             </a:r>
           </a:p>
           <a:p>
@@ -10864,7 +10996,7 @@
               <a:rPr lang="es-AR" sz="3400" u="none">
                 <a:latin typeface="Calibri" pitchFamily="34" charset="0"/>
               </a:rPr>
-              <a:t>Medio de comunicación entre el cliente y la policía, familiares o amigos.</a:t>
+              <a:t>En crecimiento.</a:t>
             </a:r>
           </a:p>
           <a:p>
@@ -10876,7 +11008,7 @@
               <a:rPr lang="es-AR" sz="3400" u="none">
                 <a:latin typeface="Calibri" pitchFamily="34" charset="0"/>
               </a:rPr>
-              <a:t>Reducir el lapso de tiempo entre el crimen y la presencia policial.</a:t>
+              <a:t>Competente en ofrecer soluciones tecnológicas.</a:t>
             </a:r>
           </a:p>
           <a:p>
@@ -10888,7 +11020,7 @@
               <a:rPr lang="es-AR" sz="3400" u="none">
                 <a:latin typeface="Calibri" pitchFamily="34" charset="0"/>
               </a:rPr>
-              <a:t>Mayor posibilidades de atrapar a los criminales.</a:t>
+              <a:t>Independiente.</a:t>
             </a:r>
           </a:p>
         </p:txBody>

--- a/trunk/docs/Presentacion final/PresentacionFinal_V7.pptx
+++ b/trunk/docs/Presentacion final/PresentacionFinal_V7.pptx
@@ -5,7 +5,7 @@
     <p:sldMasterId id="2147483648" r:id="rId1"/>
   </p:sldMasterIdLst>
   <p:notesMasterIdLst>
-    <p:notesMasterId r:id="rId33"/>
+    <p:notesMasterId r:id="rId35"/>
   </p:notesMasterIdLst>
   <p:sldIdLst>
     <p:sldId id="256" r:id="rId2"/>
@@ -38,7 +38,9 @@
     <p:sldId id="293" r:id="rId29"/>
     <p:sldId id="294" r:id="rId30"/>
     <p:sldId id="295" r:id="rId31"/>
-    <p:sldId id="261" r:id="rId32"/>
+    <p:sldId id="296" r:id="rId32"/>
+    <p:sldId id="297" r:id="rId33"/>
+    <p:sldId id="261" r:id="rId34"/>
   </p:sldIdLst>
   <p:sldSz cx="9144000" cy="6858000" type="screen4x3"/>
   <p:notesSz cx="6858000" cy="9144000"/>
@@ -605,11 +607,11 @@
           </c:yVal>
           <c:smooth val="1"/>
         </c:ser>
-        <c:axId val="36108160"/>
-        <c:axId val="36147200"/>
+        <c:axId val="36296192"/>
+        <c:axId val="36298112"/>
       </c:scatterChart>
       <c:valAx>
-        <c:axId val="36108160"/>
+        <c:axId val="36296192"/>
         <c:scaling>
           <c:orientation val="minMax"/>
         </c:scaling>
@@ -644,13 +646,13 @@
             <a:endParaRPr lang="es-AR"/>
           </a:p>
         </c:txPr>
-        <c:crossAx val="36147200"/>
+        <c:crossAx val="36298112"/>
         <c:crosses val="autoZero"/>
         <c:crossBetween val="midCat"/>
         <c:majorUnit val="1"/>
       </c:valAx>
       <c:valAx>
-        <c:axId val="36147200"/>
+        <c:axId val="36298112"/>
         <c:scaling>
           <c:orientation val="minMax"/>
         </c:scaling>
@@ -685,7 +687,7 @@
             <a:endParaRPr lang="es-AR"/>
           </a:p>
         </c:txPr>
-        <c:crossAx val="36108160"/>
+        <c:crossAx val="36296192"/>
         <c:crosses val="autoZero"/>
         <c:crossBetween val="midCat"/>
       </c:valAx>
@@ -819,7 +821,7 @@
             <a:pPr>
               <a:defRPr/>
             </a:pPr>
-            <a:fld id="{56ECEBF5-3F30-4F25-A064-DD29B9D501B8}" type="datetimeFigureOut">
+            <a:fld id="{91E0008F-A703-4D43-950C-EFDEDE4916DD}" type="datetimeFigureOut">
               <a:rPr lang="es-AR"/>
               <a:pPr>
                 <a:defRPr/>
@@ -1006,7 +1008,7 @@
             <a:pPr>
               <a:defRPr/>
             </a:pPr>
-            <a:fld id="{085D762A-E31A-4498-A16C-B37AD26768F5}" type="slidenum">
+            <a:fld id="{64CC5390-9431-4174-9490-58C1E72F0AE0}" type="slidenum">
               <a:rPr lang="es-AR"/>
               <a:pPr>
                 <a:defRPr/>
@@ -1248,7 +1250,7 @@
               </a:spcAft>
               <a:defRPr/>
             </a:pPr>
-            <a:fld id="{E742173F-BD65-4685-8DA1-DEA9D8A80102}" type="slidenum">
+            <a:fld id="{91CE5089-1667-4FD5-8AD2-9C592F29CD2A}" type="slidenum">
               <a:rPr lang="es-AR"/>
               <a:pPr fontAlgn="base">
                 <a:spcBef>
@@ -1459,7 +1461,7 @@
             <a:pPr>
               <a:defRPr/>
             </a:pPr>
-            <a:fld id="{16053F7C-BE0C-4040-92D6-BDC7832DC8BD}" type="datetimeFigureOut">
+            <a:fld id="{5718EE25-5342-4944-9CD1-728105F61D40}" type="datetimeFigureOut">
               <a:rPr lang="es-AR"/>
               <a:pPr>
                 <a:defRPr/>
@@ -1518,7 +1520,7 @@
             <a:pPr>
               <a:defRPr/>
             </a:pPr>
-            <a:fld id="{0D1A9E6B-CFE5-4A72-9FB4-08D8A3C2FFAA}" type="slidenum">
+            <a:fld id="{E6266188-C5C6-469F-B51D-474FA870D55F}" type="slidenum">
               <a:rPr lang="es-AR"/>
               <a:pPr>
                 <a:defRPr/>
@@ -1651,7 +1653,7 @@
             <a:pPr>
               <a:defRPr/>
             </a:pPr>
-            <a:fld id="{4825B8C6-AEAE-4EAB-A331-9ADEB026D5CC}" type="datetimeFigureOut">
+            <a:fld id="{3ECD10F2-AF12-46E0-B7ED-2925AFEDEE3C}" type="datetimeFigureOut">
               <a:rPr lang="es-AR"/>
               <a:pPr>
                 <a:defRPr/>
@@ -1710,7 +1712,7 @@
             <a:pPr>
               <a:defRPr/>
             </a:pPr>
-            <a:fld id="{1EB0261E-9696-4324-B2D9-875B36F720AA}" type="slidenum">
+            <a:fld id="{53949BF9-1824-4369-8DAF-C2F3A1031C9E}" type="slidenum">
               <a:rPr lang="es-AR"/>
               <a:pPr>
                 <a:defRPr/>
@@ -1853,7 +1855,7 @@
             <a:pPr>
               <a:defRPr/>
             </a:pPr>
-            <a:fld id="{3EC9864C-F0BD-4EF2-90E4-F4AF629F526D}" type="datetimeFigureOut">
+            <a:fld id="{00DF4505-4FAD-4E26-AE32-2EDE43C450FB}" type="datetimeFigureOut">
               <a:rPr lang="es-AR"/>
               <a:pPr>
                 <a:defRPr/>
@@ -1912,7 +1914,7 @@
             <a:pPr>
               <a:defRPr/>
             </a:pPr>
-            <a:fld id="{A8EB219F-827C-4C19-81E1-D85FE6C9EADA}" type="slidenum">
+            <a:fld id="{482848B9-01ED-4F49-9074-DE885D1A07CD}" type="slidenum">
               <a:rPr lang="es-AR"/>
               <a:pPr>
                 <a:defRPr/>
@@ -2045,7 +2047,7 @@
             <a:pPr>
               <a:defRPr/>
             </a:pPr>
-            <a:fld id="{2D671D0B-51CA-4E51-9988-7984D9B9333B}" type="datetimeFigureOut">
+            <a:fld id="{3805C252-BE25-48C6-9CA3-C7B924FF172A}" type="datetimeFigureOut">
               <a:rPr lang="es-AR"/>
               <a:pPr>
                 <a:defRPr/>
@@ -2104,7 +2106,7 @@
             <a:pPr>
               <a:defRPr/>
             </a:pPr>
-            <a:fld id="{6D515CD9-0C99-436B-A036-E7FEAADB30C9}" type="slidenum">
+            <a:fld id="{800630C5-4281-4EB2-BE13-28FE72BAD9F6}" type="slidenum">
               <a:rPr lang="es-AR"/>
               <a:pPr>
                 <a:defRPr/>
@@ -2313,7 +2315,7 @@
             <a:pPr>
               <a:defRPr/>
             </a:pPr>
-            <a:fld id="{6F350625-3EAB-4653-AEC7-90ACD33035C4}" type="datetimeFigureOut">
+            <a:fld id="{8B723779-E2A3-41AF-A4D4-A9C66960C537}" type="datetimeFigureOut">
               <a:rPr lang="es-AR"/>
               <a:pPr>
                 <a:defRPr/>
@@ -2372,7 +2374,7 @@
             <a:pPr>
               <a:defRPr/>
             </a:pPr>
-            <a:fld id="{EE81918B-D937-4A07-B661-A6B5EE25CA64}" type="slidenum">
+            <a:fld id="{7966333E-91BF-4AEB-9823-D1DB76768AFB}" type="slidenum">
               <a:rPr lang="es-AR"/>
               <a:pPr>
                 <a:defRPr/>
@@ -2623,7 +2625,7 @@
             <a:pPr>
               <a:defRPr/>
             </a:pPr>
-            <a:fld id="{5C21E1C3-4445-4E37-84D0-CAD05AD93FFB}" type="datetimeFigureOut">
+            <a:fld id="{9778EF6B-295B-4A87-BA02-B75720A30D35}" type="datetimeFigureOut">
               <a:rPr lang="es-AR"/>
               <a:pPr>
                 <a:defRPr/>
@@ -2682,7 +2684,7 @@
             <a:pPr>
               <a:defRPr/>
             </a:pPr>
-            <a:fld id="{FA6000BB-7729-4821-94E0-CA3CB2EFBA74}" type="slidenum">
+            <a:fld id="{DB77E040-9B26-4378-8B25-D37401EDD014}" type="slidenum">
               <a:rPr lang="es-AR"/>
               <a:pPr>
                 <a:defRPr/>
@@ -3067,7 +3069,7 @@
             <a:pPr>
               <a:defRPr/>
             </a:pPr>
-            <a:fld id="{CDDCCC28-AA8D-4F93-B14A-5F3EE9350A1C}" type="datetimeFigureOut">
+            <a:fld id="{98823932-665E-4DA0-AB02-FD4207328EBB}" type="datetimeFigureOut">
               <a:rPr lang="es-AR"/>
               <a:pPr>
                 <a:defRPr/>
@@ -3126,7 +3128,7 @@
             <a:pPr>
               <a:defRPr/>
             </a:pPr>
-            <a:fld id="{A7E38A3A-8B19-4660-9C36-3240FFADBCBC}" type="slidenum">
+            <a:fld id="{4C4B8B49-362F-43AE-9A3A-6120081F463F}" type="slidenum">
               <a:rPr lang="es-AR"/>
               <a:pPr>
                 <a:defRPr/>
@@ -3207,7 +3209,7 @@
             <a:pPr>
               <a:defRPr/>
             </a:pPr>
-            <a:fld id="{1A1070DB-56D3-468A-8527-7BBFD391F216}" type="datetimeFigureOut">
+            <a:fld id="{33B1BA1E-A3BA-43EA-A82D-9E63ED894139}" type="datetimeFigureOut">
               <a:rPr lang="es-AR"/>
               <a:pPr>
                 <a:defRPr/>
@@ -3266,7 +3268,7 @@
             <a:pPr>
               <a:defRPr/>
             </a:pPr>
-            <a:fld id="{9AC7D74B-12C1-4E6F-8F37-0C5FADEE91AA}" type="slidenum">
+            <a:fld id="{47F74510-2618-427C-A263-CE3449F16E99}" type="slidenum">
               <a:rPr lang="es-AR"/>
               <a:pPr>
                 <a:defRPr/>
@@ -3324,7 +3326,7 @@
             <a:pPr>
               <a:defRPr/>
             </a:pPr>
-            <a:fld id="{0149D032-A025-4A24-9153-62EE04171C8C}" type="datetimeFigureOut">
+            <a:fld id="{26F4B370-D052-45CF-8C0A-3473516F1A1B}" type="datetimeFigureOut">
               <a:rPr lang="es-AR"/>
               <a:pPr>
                 <a:defRPr/>
@@ -3383,7 +3385,7 @@
             <a:pPr>
               <a:defRPr/>
             </a:pPr>
-            <a:fld id="{C004871C-E734-4085-B35E-7100C308D3E8}" type="slidenum">
+            <a:fld id="{ECE504CF-F0F5-4F7E-A115-FAFCAB8779FE}" type="slidenum">
               <a:rPr lang="es-AR"/>
               <a:pPr>
                 <a:defRPr/>
@@ -3623,7 +3625,7 @@
             <a:pPr>
               <a:defRPr/>
             </a:pPr>
-            <a:fld id="{809C77D4-57BD-4A0C-A021-5EB2FEBD2051}" type="datetimeFigureOut">
+            <a:fld id="{808B3D48-A92F-446E-AEE9-6121461F33C6}" type="datetimeFigureOut">
               <a:rPr lang="es-AR"/>
               <a:pPr>
                 <a:defRPr/>
@@ -3682,7 +3684,7 @@
             <a:pPr>
               <a:defRPr/>
             </a:pPr>
-            <a:fld id="{D2C3D94D-784D-41A9-A87E-6075CE00E381}" type="slidenum">
+            <a:fld id="{BC4DBD2F-F890-4EFC-BC0F-91F3A16813B9}" type="slidenum">
               <a:rPr lang="es-AR"/>
               <a:pPr>
                 <a:defRPr/>
@@ -3901,7 +3903,7 @@
             <a:pPr>
               <a:defRPr/>
             </a:pPr>
-            <a:fld id="{09450026-11FD-4D1E-9712-36FBBA0C7D39}" type="datetimeFigureOut">
+            <a:fld id="{9EA32BE2-C7AE-4287-A7E4-00C92CAC3EC9}" type="datetimeFigureOut">
               <a:rPr lang="es-AR"/>
               <a:pPr>
                 <a:defRPr/>
@@ -3960,7 +3962,7 @@
             <a:pPr>
               <a:defRPr/>
             </a:pPr>
-            <a:fld id="{FA29DBFE-ABDC-4348-B43C-D3DEAA533374}" type="slidenum">
+            <a:fld id="{62FEC63F-53D5-4F22-A4F4-287EC3911FC3}" type="slidenum">
               <a:rPr lang="es-AR"/>
               <a:pPr>
                 <a:defRPr/>
@@ -4167,7 +4169,7 @@
             <a:pPr>
               <a:defRPr/>
             </a:pPr>
-            <a:fld id="{C309A362-24F4-4F4E-85D5-EC7E5BA325D0}" type="datetimeFigureOut">
+            <a:fld id="{18884B5C-C3E3-4822-8E99-46EA02E470C1}" type="datetimeFigureOut">
               <a:rPr lang="es-AR"/>
               <a:pPr>
                 <a:defRPr/>
@@ -4268,7 +4270,7 @@
             <a:pPr>
               <a:defRPr/>
             </a:pPr>
-            <a:fld id="{AD809642-7DA2-4005-A18D-7D8EE604AE75}" type="slidenum">
+            <a:fld id="{047A8EE5-51F9-4259-A6B5-4614FE31993F}" type="slidenum">
               <a:rPr lang="es-AR"/>
               <a:pPr>
                 <a:defRPr/>
@@ -8719,7 +8721,7 @@
             <a:pPr lvl="1" eaLnBrk="1" hangingPunct="1"/>
             <a:r>
               <a:rPr lang="es-AR" sz="3600" smtClean="0"/>
-              <a:t>La aplicación envía request al Servidor  al presionar el botón de pánico.</a:t>
+              <a:t>Envía los datos por HTTP POST.</a:t>
             </a:r>
             <a:endParaRPr lang="es-AR" sz="2400" smtClean="0"/>
           </a:p>
@@ -8788,7 +8790,7 @@
         <p:spPr>
           <a:xfrm>
             <a:off x="323850" y="1530350"/>
-            <a:ext cx="8229600" cy="5327650"/>
+            <a:ext cx="8229600" cy="5067300"/>
           </a:xfrm>
         </p:spPr>
         <p:txBody>
@@ -8807,6 +8809,13 @@
               <a:rPr lang="es-MX" sz="3600" smtClean="0"/>
               <a:t>Apache.</a:t>
             </a:r>
+          </a:p>
+          <a:p>
+            <a:pPr lvl="1" eaLnBrk="1" hangingPunct="1"/>
+            <a:r>
+              <a:rPr lang="es-MX" sz="3600" smtClean="0"/>
+              <a:t>HTTP server push hacia app Web.</a:t>
+            </a:r>
             <a:endParaRPr lang="es-AR" sz="3600" smtClean="0"/>
           </a:p>
           <a:p>
@@ -8835,7 +8844,7 @@
             <a:pPr lvl="1" eaLnBrk="1" hangingPunct="1"/>
             <a:r>
               <a:rPr lang="es-AR" sz="3600" smtClean="0"/>
-              <a:t> Protocolo https implementando SSL.</a:t>
+              <a:t> Protocolo HTTPS implementando SSL.</a:t>
             </a:r>
           </a:p>
         </p:txBody>
@@ -9299,7 +9308,7 @@
       </p:sp>
       <p:pic>
         <p:nvPicPr>
-          <p:cNvPr id="41989" name="Picture 5" descr="MU Enviar Alerta_4"/>
+          <p:cNvPr id="41987" name="Picture 5" descr="MU Enviar Alerta_4"/>
           <p:cNvPicPr>
             <a:picLocks noChangeAspect="1" noChangeArrowheads="1"/>
           </p:cNvPicPr>
@@ -9321,6 +9330,12 @@
             <a:avLst/>
           </a:prstGeom>
           <a:noFill/>
+          <a:ln w="9525">
+            <a:noFill/>
+            <a:miter lim="800000"/>
+            <a:headEnd/>
+            <a:tailEnd/>
+          </a:ln>
         </p:spPr>
       </p:pic>
     </p:spTree>
@@ -9427,7 +9442,7 @@
       </p:sp>
       <p:pic>
         <p:nvPicPr>
-          <p:cNvPr id="43012" name="Picture 4" descr="MU Configurar Checkpoint_4 para ppt"/>
+          <p:cNvPr id="43011" name="Picture 4" descr="MU Configurar Checkpoint_4 para ppt"/>
           <p:cNvPicPr>
             <a:picLocks noChangeAspect="1" noChangeArrowheads="1"/>
           </p:cNvPicPr>
@@ -9449,6 +9464,12 @@
             <a:avLst/>
           </a:prstGeom>
           <a:noFill/>
+          <a:ln w="9525">
+            <a:noFill/>
+            <a:miter lim="800000"/>
+            <a:headEnd/>
+            <a:tailEnd/>
+          </a:ln>
         </p:spPr>
       </p:pic>
     </p:spTree>
@@ -9498,7 +9519,9 @@
           <a:p>
             <a:pPr eaLnBrk="1" hangingPunct="1"/>
             <a:r>
-              <a:rPr lang="es-AR" b="1" smtClean="0"/>
+              <a:rPr lang="es-AR" sz="4000" b="1" smtClean="0">
+                <a:latin typeface="Trebuchet MS" pitchFamily="34" charset="0"/>
+              </a:rPr>
               <a:t>Funciones aplicación completa</a:t>
             </a:r>
           </a:p>
@@ -9553,7 +9576,7 @@
       </p:sp>
       <p:pic>
         <p:nvPicPr>
-          <p:cNvPr id="44036" name="Picture 4" descr="MU Configurar Destinatarios_4 para ppt"/>
+          <p:cNvPr id="44035" name="Picture 4" descr="MU Configurar Destinatarios_4 para ppt"/>
           <p:cNvPicPr>
             <a:picLocks noChangeAspect="1" noChangeArrowheads="1"/>
           </p:cNvPicPr>
@@ -9575,6 +9598,12 @@
             <a:avLst/>
           </a:prstGeom>
           <a:noFill/>
+          <a:ln w="9525">
+            <a:noFill/>
+            <a:miter lim="800000"/>
+            <a:headEnd/>
+            <a:tailEnd/>
+          </a:ln>
         </p:spPr>
       </p:pic>
     </p:spTree>
@@ -10004,7 +10033,9 @@
           <a:p>
             <a:pPr eaLnBrk="1" hangingPunct="1"/>
             <a:r>
-              <a:rPr lang="es-AR" b="1" smtClean="0"/>
+              <a:rPr lang="es-AR" sz="4000" b="1" smtClean="0">
+                <a:latin typeface="Trebuchet MS" pitchFamily="34" charset="0"/>
+              </a:rPr>
               <a:t>Funciones aplicación completa</a:t>
             </a:r>
           </a:p>
@@ -10059,7 +10090,7 @@
       </p:sp>
       <p:pic>
         <p:nvPicPr>
-          <p:cNvPr id="45060" name="Picture 4" descr="MU Configurar Mensaje_4"/>
+          <p:cNvPr id="45059" name="Picture 4" descr="MU Configurar Mensaje_4"/>
           <p:cNvPicPr>
             <a:picLocks noChangeAspect="1" noChangeArrowheads="1"/>
           </p:cNvPicPr>
@@ -10081,6 +10112,12 @@
             <a:avLst/>
           </a:prstGeom>
           <a:noFill/>
+          <a:ln w="9525">
+            <a:noFill/>
+            <a:miter lim="800000"/>
+            <a:headEnd/>
+            <a:tailEnd/>
+          </a:ln>
         </p:spPr>
       </p:pic>
     </p:spTree>
@@ -10092,6 +10129,215 @@
 </file>
 
 <file path=ppt/slides/slide31.xml><?xml version="1.0" encoding="utf-8"?>
+<p:sld xmlns:a="http://schemas.openxmlformats.org/drawingml/2006/main" xmlns:r="http://schemas.openxmlformats.org/officeDocument/2006/relationships" xmlns:p="http://schemas.openxmlformats.org/presentationml/2006/main">
+  <p:cSld>
+    <p:spTree>
+      <p:nvGrpSpPr>
+        <p:cNvPr id="1" name=""/>
+        <p:cNvGrpSpPr/>
+        <p:nvPr/>
+      </p:nvGrpSpPr>
+      <p:grpSpPr>
+        <a:xfrm>
+          <a:off x="0" y="0"/>
+          <a:ext cx="0" cy="0"/>
+          <a:chOff x="0" y="0"/>
+          <a:chExt cx="0" cy="0"/>
+        </a:xfrm>
+      </p:grpSpPr>
+      <p:sp>
+        <p:nvSpPr>
+          <p:cNvPr id="47106" name="1 Título"/>
+          <p:cNvSpPr>
+            <a:spLocks noGrp="1"/>
+          </p:cNvSpPr>
+          <p:nvPr>
+            <p:ph type="title" idx="4294967295"/>
+          </p:nvPr>
+        </p:nvSpPr>
+        <p:spPr/>
+        <p:txBody>
+          <a:bodyPr/>
+          <a:lstStyle/>
+          <a:p>
+            <a:pPr eaLnBrk="1" hangingPunct="1"/>
+            <a:r>
+              <a:rPr lang="es-AR" sz="4000" b="1" smtClean="0">
+                <a:latin typeface="Trebuchet MS" pitchFamily="34" charset="0"/>
+              </a:rPr>
+              <a:t>Funciones aplicación web</a:t>
+            </a:r>
+          </a:p>
+        </p:txBody>
+      </p:sp>
+      <p:sp>
+        <p:nvSpPr>
+          <p:cNvPr id="41987" name="2 Marcador de contenido"/>
+          <p:cNvSpPr>
+            <a:spLocks noGrp="1"/>
+          </p:cNvSpPr>
+          <p:nvPr>
+            <p:ph idx="4294967295"/>
+          </p:nvPr>
+        </p:nvSpPr>
+        <p:spPr/>
+        <p:txBody>
+          <a:bodyPr/>
+          <a:lstStyle/>
+          <a:p>
+            <a:pPr eaLnBrk="1" hangingPunct="1"/>
+            <a:r>
+              <a:rPr lang="es-AR" sz="3600" b="1" u="sng" smtClean="0"/>
+              <a:t>Sección monitoreo:</a:t>
+            </a:r>
+          </a:p>
+          <a:p>
+            <a:pPr lvl="1" eaLnBrk="1" hangingPunct="1"/>
+            <a:r>
+              <a:rPr lang="es-AR" sz="3200" smtClean="0"/>
+              <a:t>Escucha los mensajes envíados desde el servidor.</a:t>
+            </a:r>
+          </a:p>
+          <a:p>
+            <a:pPr lvl="1" eaLnBrk="1" hangingPunct="1"/>
+            <a:r>
+              <a:rPr lang="es-AR" sz="3200" smtClean="0"/>
+              <a:t>Muestra de forma simple y gráfica la información de una alerta.</a:t>
+            </a:r>
+          </a:p>
+          <a:p>
+            <a:pPr lvl="1" eaLnBrk="1" hangingPunct="1"/>
+            <a:r>
+              <a:rPr lang="es-AR" sz="3200" smtClean="0"/>
+              <a:t>Permite cambiar el estado de una alerta.</a:t>
+            </a:r>
+          </a:p>
+        </p:txBody>
+      </p:sp>
+    </p:spTree>
+  </p:cSld>
+  <p:clrMapOvr>
+    <a:masterClrMapping/>
+  </p:clrMapOvr>
+</p:sld>
+</file>
+
+<file path=ppt/slides/slide32.xml><?xml version="1.0" encoding="utf-8"?>
+<p:sld xmlns:a="http://schemas.openxmlformats.org/drawingml/2006/main" xmlns:r="http://schemas.openxmlformats.org/officeDocument/2006/relationships" xmlns:p="http://schemas.openxmlformats.org/presentationml/2006/main">
+  <p:cSld>
+    <p:spTree>
+      <p:nvGrpSpPr>
+        <p:cNvPr id="1" name=""/>
+        <p:cNvGrpSpPr/>
+        <p:nvPr/>
+      </p:nvGrpSpPr>
+      <p:grpSpPr>
+        <a:xfrm>
+          <a:off x="0" y="0"/>
+          <a:ext cx="0" cy="0"/>
+          <a:chOff x="0" y="0"/>
+          <a:chExt cx="0" cy="0"/>
+        </a:xfrm>
+      </p:grpSpPr>
+      <p:sp>
+        <p:nvSpPr>
+          <p:cNvPr id="49154" name="1 Título"/>
+          <p:cNvSpPr>
+            <a:spLocks noGrp="1"/>
+          </p:cNvSpPr>
+          <p:nvPr>
+            <p:ph type="title" idx="4294967295"/>
+          </p:nvPr>
+        </p:nvSpPr>
+        <p:spPr/>
+        <p:txBody>
+          <a:bodyPr/>
+          <a:lstStyle/>
+          <a:p>
+            <a:pPr eaLnBrk="1" hangingPunct="1"/>
+            <a:r>
+              <a:rPr lang="es-AR" sz="4000" b="1" smtClean="0">
+                <a:latin typeface="Trebuchet MS" pitchFamily="34" charset="0"/>
+              </a:rPr>
+              <a:t>Funciones aplicación web</a:t>
+            </a:r>
+          </a:p>
+        </p:txBody>
+      </p:sp>
+      <p:sp>
+        <p:nvSpPr>
+          <p:cNvPr id="41987" name="2 Marcador de contenido"/>
+          <p:cNvSpPr>
+            <a:spLocks noGrp="1"/>
+          </p:cNvSpPr>
+          <p:nvPr>
+            <p:ph idx="4294967295"/>
+          </p:nvPr>
+        </p:nvSpPr>
+        <p:spPr/>
+        <p:txBody>
+          <a:bodyPr/>
+          <a:lstStyle/>
+          <a:p>
+            <a:pPr eaLnBrk="1" hangingPunct="1"/>
+            <a:r>
+              <a:rPr lang="es-AR" sz="3600" b="1" u="sng" smtClean="0"/>
+              <a:t>Sección clientes:</a:t>
+            </a:r>
+          </a:p>
+          <a:p>
+            <a:pPr lvl="1" eaLnBrk="1" hangingPunct="1"/>
+            <a:r>
+              <a:rPr lang="es-AR" sz="3200" smtClean="0"/>
+              <a:t>Registración. </a:t>
+            </a:r>
+          </a:p>
+          <a:p>
+            <a:pPr lvl="1" eaLnBrk="1" hangingPunct="1"/>
+            <a:r>
+              <a:rPr lang="es-AR" sz="3200" smtClean="0"/>
+              <a:t>Links de descarga.</a:t>
+            </a:r>
+          </a:p>
+          <a:p>
+            <a:pPr lvl="1" eaLnBrk="1" hangingPunct="1"/>
+            <a:r>
+              <a:rPr lang="es-AR" sz="3200" smtClean="0"/>
+              <a:t>Configuraciones.</a:t>
+            </a:r>
+          </a:p>
+          <a:p>
+            <a:pPr lvl="1" eaLnBrk="1" hangingPunct="1"/>
+            <a:r>
+              <a:rPr lang="es-AR" sz="3200" smtClean="0"/>
+              <a:t>Historial de eventos.</a:t>
+            </a:r>
+          </a:p>
+          <a:p>
+            <a:pPr lvl="1" eaLnBrk="1" hangingPunct="1"/>
+            <a:r>
+              <a:rPr lang="es-AR" sz="3200" smtClean="0"/>
+              <a:t>FAQ.</a:t>
+            </a:r>
+          </a:p>
+          <a:p>
+            <a:pPr lvl="1" eaLnBrk="1" hangingPunct="1"/>
+            <a:r>
+              <a:rPr lang="es-AR" sz="3200" smtClean="0"/>
+              <a:t>Foros.</a:t>
+            </a:r>
+          </a:p>
+        </p:txBody>
+      </p:sp>
+    </p:spTree>
+  </p:cSld>
+  <p:clrMapOvr>
+    <a:masterClrMapping/>
+  </p:clrMapOvr>
+</p:sld>
+</file>
+
+<file path=ppt/slides/slide33.xml><?xml version="1.0" encoding="utf-8"?>
 <p:sld xmlns:a="http://schemas.openxmlformats.org/drawingml/2006/main" xmlns:r="http://schemas.openxmlformats.org/officeDocument/2006/relationships" xmlns:p="http://schemas.openxmlformats.org/presentationml/2006/main">
   <p:cSld>
     <p:spTree>
